--- a/documents/presentation/Электроный Дневник Политеха.pptx
+++ b/documents/presentation/Электроный Дневник Политеха.pptx
@@ -208,7 +208,7 @@
           <a:p>
             <a:fld id="{8A6EBFF0-6D80-4EF9-9C8A-87A8B210146D}" type="datetimeFigureOut">
               <a:rPr lang="ru-RU" smtClean="0"/>
-              <a:t>24.06.2024</a:t>
+              <a:t>27.06.2024</a:t>
             </a:fld>
             <a:endParaRPr lang="ru-RU"/>
           </a:p>
@@ -1281,7 +1281,7 @@
           <a:p>
             <a:fld id="{985FA26F-A664-4294-9CED-367A652DB803}" type="datetimeFigureOut">
               <a:rPr lang="ru-RU" smtClean="0"/>
-              <a:t>24.06.2024</a:t>
+              <a:t>27.06.2024</a:t>
             </a:fld>
             <a:endParaRPr lang="ru-RU"/>
           </a:p>
@@ -1532,7 +1532,7 @@
           <a:p>
             <a:fld id="{985FA26F-A664-4294-9CED-367A652DB803}" type="datetimeFigureOut">
               <a:rPr lang="ru-RU" smtClean="0"/>
-              <a:t>24.06.2024</a:t>
+              <a:t>27.06.2024</a:t>
             </a:fld>
             <a:endParaRPr lang="ru-RU"/>
           </a:p>
@@ -1846,7 +1846,7 @@
           <a:p>
             <a:fld id="{985FA26F-A664-4294-9CED-367A652DB803}" type="datetimeFigureOut">
               <a:rPr lang="ru-RU" smtClean="0"/>
-              <a:t>24.06.2024</a:t>
+              <a:t>27.06.2024</a:t>
             </a:fld>
             <a:endParaRPr lang="ru-RU"/>
           </a:p>
@@ -2187,7 +2187,7 @@
           <a:p>
             <a:fld id="{985FA26F-A664-4294-9CED-367A652DB803}" type="datetimeFigureOut">
               <a:rPr lang="ru-RU" smtClean="0"/>
-              <a:t>24.06.2024</a:t>
+              <a:t>27.06.2024</a:t>
             </a:fld>
             <a:endParaRPr lang="ru-RU"/>
           </a:p>
@@ -2501,7 +2501,7 @@
           <a:p>
             <a:fld id="{985FA26F-A664-4294-9CED-367A652DB803}" type="datetimeFigureOut">
               <a:rPr lang="ru-RU" smtClean="0"/>
-              <a:t>24.06.2024</a:t>
+              <a:t>27.06.2024</a:t>
             </a:fld>
             <a:endParaRPr lang="ru-RU"/>
           </a:p>
@@ -2894,7 +2894,7 @@
           <a:p>
             <a:fld id="{985FA26F-A664-4294-9CED-367A652DB803}" type="datetimeFigureOut">
               <a:rPr lang="ru-RU" smtClean="0"/>
-              <a:t>24.06.2024</a:t>
+              <a:t>27.06.2024</a:t>
             </a:fld>
             <a:endParaRPr lang="ru-RU"/>
           </a:p>
@@ -3064,7 +3064,7 @@
           <a:p>
             <a:fld id="{985FA26F-A664-4294-9CED-367A652DB803}" type="datetimeFigureOut">
               <a:rPr lang="ru-RU" smtClean="0"/>
-              <a:t>24.06.2024</a:t>
+              <a:t>27.06.2024</a:t>
             </a:fld>
             <a:endParaRPr lang="ru-RU"/>
           </a:p>
@@ -3244,7 +3244,7 @@
           <a:p>
             <a:fld id="{985FA26F-A664-4294-9CED-367A652DB803}" type="datetimeFigureOut">
               <a:rPr lang="ru-RU" smtClean="0"/>
-              <a:t>24.06.2024</a:t>
+              <a:t>27.06.2024</a:t>
             </a:fld>
             <a:endParaRPr lang="ru-RU"/>
           </a:p>
@@ -3420,7 +3420,7 @@
           <a:p>
             <a:fld id="{985FA26F-A664-4294-9CED-367A652DB803}" type="datetimeFigureOut">
               <a:rPr lang="ru-RU" smtClean="0"/>
-              <a:t>24.06.2024</a:t>
+              <a:t>27.06.2024</a:t>
             </a:fld>
             <a:endParaRPr lang="ru-RU"/>
           </a:p>
@@ -3667,7 +3667,7 @@
           <a:p>
             <a:fld id="{985FA26F-A664-4294-9CED-367A652DB803}" type="datetimeFigureOut">
               <a:rPr lang="ru-RU" smtClean="0"/>
-              <a:t>24.06.2024</a:t>
+              <a:t>27.06.2024</a:t>
             </a:fld>
             <a:endParaRPr lang="ru-RU"/>
           </a:p>
@@ -3899,7 +3899,7 @@
           <a:p>
             <a:fld id="{985FA26F-A664-4294-9CED-367A652DB803}" type="datetimeFigureOut">
               <a:rPr lang="ru-RU" smtClean="0"/>
-              <a:t>24.06.2024</a:t>
+              <a:t>27.06.2024</a:t>
             </a:fld>
             <a:endParaRPr lang="ru-RU"/>
           </a:p>
@@ -4273,7 +4273,7 @@
           <a:p>
             <a:fld id="{985FA26F-A664-4294-9CED-367A652DB803}" type="datetimeFigureOut">
               <a:rPr lang="ru-RU" smtClean="0"/>
-              <a:t>24.06.2024</a:t>
+              <a:t>27.06.2024</a:t>
             </a:fld>
             <a:endParaRPr lang="ru-RU"/>
           </a:p>
@@ -4396,7 +4396,7 @@
           <a:p>
             <a:fld id="{985FA26F-A664-4294-9CED-367A652DB803}" type="datetimeFigureOut">
               <a:rPr lang="ru-RU" smtClean="0"/>
-              <a:t>24.06.2024</a:t>
+              <a:t>27.06.2024</a:t>
             </a:fld>
             <a:endParaRPr lang="ru-RU"/>
           </a:p>
@@ -4491,7 +4491,7 @@
           <a:p>
             <a:fld id="{985FA26F-A664-4294-9CED-367A652DB803}" type="datetimeFigureOut">
               <a:rPr lang="ru-RU" smtClean="0"/>
-              <a:t>24.06.2024</a:t>
+              <a:t>27.06.2024</a:t>
             </a:fld>
             <a:endParaRPr lang="ru-RU"/>
           </a:p>
@@ -4746,7 +4746,7 @@
           <a:p>
             <a:fld id="{985FA26F-A664-4294-9CED-367A652DB803}" type="datetimeFigureOut">
               <a:rPr lang="ru-RU" smtClean="0"/>
-              <a:t>24.06.2024</a:t>
+              <a:t>27.06.2024</a:t>
             </a:fld>
             <a:endParaRPr lang="ru-RU"/>
           </a:p>
@@ -5009,7 +5009,7 @@
           <a:p>
             <a:fld id="{985FA26F-A664-4294-9CED-367A652DB803}" type="datetimeFigureOut">
               <a:rPr lang="ru-RU" smtClean="0"/>
-              <a:t>24.06.2024</a:t>
+              <a:t>27.06.2024</a:t>
             </a:fld>
             <a:endParaRPr lang="ru-RU"/>
           </a:p>
@@ -5752,7 +5752,7 @@
           <a:p>
             <a:fld id="{985FA26F-A664-4294-9CED-367A652DB803}" type="datetimeFigureOut">
               <a:rPr lang="ru-RU" smtClean="0"/>
-              <a:t>24.06.2024</a:t>
+              <a:t>27.06.2024</a:t>
             </a:fld>
             <a:endParaRPr lang="ru-RU"/>
           </a:p>
@@ -6591,8 +6591,8 @@
         </p:nvSpPr>
         <p:spPr>
           <a:xfrm>
-            <a:off x="11310151" y="6445189"/>
-            <a:ext cx="881849" cy="400110"/>
+            <a:off x="10934700" y="6273225"/>
+            <a:ext cx="1257300" cy="584775"/>
           </a:xfrm>
           <a:prstGeom prst="rect">
             <a:avLst/>
@@ -6606,7 +6606,7 @@
           <a:lstStyle/>
           <a:p>
             <a:r>
-              <a:rPr lang="ru-RU" sz="2000" dirty="0">
+              <a:rPr lang="ru-RU" sz="3200" dirty="0">
                 <a:solidFill>
                   <a:schemeClr val="tx1">
                     <a:lumMod val="75000"/>
@@ -6619,7 +6619,7 @@
               <a:t>10</a:t>
             </a:r>
             <a:r>
-              <a:rPr lang="en-US" sz="2000" dirty="0">
+              <a:rPr lang="en-US" sz="3200" dirty="0">
                 <a:solidFill>
                   <a:schemeClr val="tx1">
                     <a:lumMod val="75000"/>
@@ -6632,7 +6632,7 @@
               <a:t>/1</a:t>
             </a:r>
             <a:r>
-              <a:rPr lang="ru-RU" sz="2000" dirty="0">
+              <a:rPr lang="ru-RU" sz="3200" dirty="0">
                 <a:solidFill>
                   <a:schemeClr val="tx1">
                     <a:lumMod val="75000"/>
@@ -6793,8 +6793,8 @@
         </p:nvSpPr>
         <p:spPr>
           <a:xfrm>
-            <a:off x="11310151" y="6445189"/>
-            <a:ext cx="881849" cy="400110"/>
+            <a:off x="10906125" y="6273225"/>
+            <a:ext cx="1285875" cy="584775"/>
           </a:xfrm>
           <a:prstGeom prst="rect">
             <a:avLst/>
@@ -6808,7 +6808,7 @@
           <a:lstStyle/>
           <a:p>
             <a:r>
-              <a:rPr lang="en-US" sz="2000" dirty="0">
+              <a:rPr lang="en-US" sz="3200" dirty="0">
                 <a:solidFill>
                   <a:schemeClr val="tx1">
                     <a:lumMod val="75000"/>
@@ -6821,7 +6821,7 @@
               <a:t>1</a:t>
             </a:r>
             <a:r>
-              <a:rPr lang="ru-RU" sz="2000" dirty="0">
+              <a:rPr lang="ru-RU" sz="3200" dirty="0">
                 <a:solidFill>
                   <a:schemeClr val="tx1">
                     <a:lumMod val="75000"/>
@@ -6834,7 +6834,7 @@
               <a:t>1</a:t>
             </a:r>
             <a:r>
-              <a:rPr lang="en-US" sz="2000" dirty="0">
+              <a:rPr lang="en-US" sz="3200" dirty="0">
                 <a:solidFill>
                   <a:schemeClr val="tx1">
                     <a:lumMod val="75000"/>
@@ -6847,7 +6847,7 @@
               <a:t>/1</a:t>
             </a:r>
             <a:r>
-              <a:rPr lang="ru-RU" sz="2000" dirty="0">
+              <a:rPr lang="ru-RU" sz="3200" dirty="0">
                 <a:solidFill>
                   <a:schemeClr val="tx1">
                     <a:lumMod val="75000"/>
@@ -7054,8 +7054,8 @@
         </p:nvSpPr>
         <p:spPr>
           <a:xfrm>
-            <a:off x="11301274" y="6445189"/>
-            <a:ext cx="890726" cy="400110"/>
+            <a:off x="10925175" y="6273225"/>
+            <a:ext cx="1266825" cy="584775"/>
           </a:xfrm>
           <a:prstGeom prst="rect">
             <a:avLst/>
@@ -7069,7 +7069,7 @@
           <a:lstStyle/>
           <a:p>
             <a:r>
-              <a:rPr lang="en-US" sz="2000" dirty="0">
+              <a:rPr lang="en-US" sz="3200" dirty="0">
                 <a:solidFill>
                   <a:schemeClr val="tx1">
                     <a:lumMod val="75000"/>
@@ -7082,7 +7082,7 @@
               <a:t>1</a:t>
             </a:r>
             <a:r>
-              <a:rPr lang="ru-RU" sz="2000" dirty="0">
+              <a:rPr lang="ru-RU" sz="3200" dirty="0">
                 <a:solidFill>
                   <a:schemeClr val="tx1">
                     <a:lumMod val="75000"/>
@@ -7095,7 +7095,7 @@
               <a:t>2</a:t>
             </a:r>
             <a:r>
-              <a:rPr lang="en-US" sz="2000" dirty="0">
+              <a:rPr lang="en-US" sz="3200" dirty="0">
                 <a:solidFill>
                   <a:schemeClr val="tx1">
                     <a:lumMod val="75000"/>
@@ -7108,7 +7108,7 @@
               <a:t>/1</a:t>
             </a:r>
             <a:r>
-              <a:rPr lang="ru-RU" sz="2000" dirty="0">
+              <a:rPr lang="ru-RU" sz="3200" dirty="0">
                 <a:solidFill>
                   <a:schemeClr val="tx1">
                     <a:lumMod val="75000"/>
@@ -7230,7 +7230,7 @@
                 <a:latin typeface="Trebuchet MS (Основной текст)"/>
                 <a:cs typeface="Times New Roman" panose="02020603050405020304" pitchFamily="18" charset="0"/>
               </a:rPr>
-              <a:t>Электронный дневник работающий на всех популярных браузерах, планируется до 35 тыс. пользователей одновременно, создание </a:t>
+              <a:t>Электронный дневник который должен работать на всех популярных браузерах, планируется до 35 тыс. пользователей одновременно, создание </a:t>
             </a:r>
             <a:r>
               <a:rPr lang="en-US" sz="3600" dirty="0">
@@ -7280,8 +7280,8 @@
         </p:nvSpPr>
         <p:spPr>
           <a:xfrm>
-            <a:off x="11464358" y="6445189"/>
-            <a:ext cx="727642" cy="400110"/>
+            <a:off x="11126709" y="6273225"/>
+            <a:ext cx="1065291" cy="584775"/>
           </a:xfrm>
           <a:prstGeom prst="rect">
             <a:avLst/>
@@ -7295,7 +7295,7 @@
           <a:lstStyle/>
           <a:p>
             <a:r>
-              <a:rPr lang="ru-RU" sz="2000" dirty="0">
+              <a:rPr lang="ru-RU" sz="3200" dirty="0">
                 <a:solidFill>
                   <a:schemeClr val="tx1">
                     <a:lumMod val="75000"/>
@@ -7308,7 +7308,7 @@
               <a:t>2</a:t>
             </a:r>
             <a:r>
-              <a:rPr lang="en-US" sz="2000" dirty="0">
+              <a:rPr lang="en-US" sz="3200" dirty="0">
                 <a:solidFill>
                   <a:schemeClr val="tx1">
                     <a:lumMod val="75000"/>
@@ -7321,7 +7321,7 @@
               <a:t>/1</a:t>
             </a:r>
             <a:r>
-              <a:rPr lang="ru-RU" sz="2000" dirty="0">
+              <a:rPr lang="ru-RU" sz="3200" dirty="0">
                 <a:solidFill>
                   <a:schemeClr val="tx1">
                     <a:lumMod val="75000"/>
@@ -7355,6 +7355,14 @@
 <file path=ppt/slides/slide3.xml><?xml version="1.0" encoding="utf-8"?>
 <p:sld xmlns:a="http://schemas.openxmlformats.org/drawingml/2006/main" xmlns:r="http://schemas.openxmlformats.org/officeDocument/2006/relationships" xmlns:p="http://schemas.openxmlformats.org/presentationml/2006/main">
   <p:cSld>
+    <p:bg>
+      <p:bgPr>
+        <a:solidFill>
+          <a:schemeClr val="bg1"/>
+        </a:solidFill>
+        <a:effectLst/>
+      </p:bgPr>
+    </p:bg>
     <p:spTree>
       <p:nvGrpSpPr>
         <p:cNvPr id="1" name=""/>
@@ -7387,74 +7395,104 @@
         </p:nvSpPr>
         <p:spPr/>
         <p:txBody>
-          <a:bodyPr anchor="ctr">
+          <a:bodyPr anchor="t">
             <a:normAutofit/>
           </a:bodyPr>
           <a:lstStyle/>
           <a:p>
             <a:r>
-              <a:rPr lang="ru-RU" sz="4000" dirty="0"/>
+              <a:rPr lang="ru-RU" sz="4000"/>
               <a:t>Модель Жизненного Цикла</a:t>
             </a:r>
-          </a:p>
-        </p:txBody>
-      </p:sp>
-      <p:sp>
-        <p:nvSpPr>
-          <p:cNvPr id="3" name="Объект 2">
+            <a:endParaRPr lang="ru-RU" sz="4000" dirty="0"/>
+          </a:p>
+        </p:txBody>
+      </p:sp>
+      <p:sp>
+        <p:nvSpPr>
+          <p:cNvPr id="6" name="TextBox 5">
             <a:extLst>
               <a:ext uri="{FF2B5EF4-FFF2-40B4-BE49-F238E27FC236}">
-                <a16:creationId xmlns:a16="http://schemas.microsoft.com/office/drawing/2014/main" id="{2BE5F975-5D4C-1C0D-1DA4-08BC77064B3C}"/>
+                <a16:creationId xmlns:a16="http://schemas.microsoft.com/office/drawing/2014/main" id="{8AA0C2C0-3E14-47C6-BBEE-809A3DC477C5}"/>
               </a:ext>
             </a:extLst>
           </p:cNvPr>
-          <p:cNvSpPr>
-            <a:spLocks noGrp="1"/>
-          </p:cNvSpPr>
-          <p:nvPr>
-            <p:ph idx="1"/>
-          </p:nvPr>
-        </p:nvSpPr>
-        <p:spPr/>
-        <p:txBody>
-          <a:bodyPr>
-            <a:normAutofit/>
+          <p:cNvSpPr txBox="1"/>
+          <p:nvPr/>
+        </p:nvSpPr>
+        <p:spPr>
+          <a:xfrm>
+            <a:off x="11144816" y="6273225"/>
+            <a:ext cx="1047184" cy="584775"/>
+          </a:xfrm>
+          <a:prstGeom prst="rect">
+            <a:avLst/>
+          </a:prstGeom>
+          <a:noFill/>
+        </p:spPr>
+        <p:txBody>
+          <a:bodyPr wrap="square" rtlCol="0">
+            <a:spAutoFit/>
           </a:bodyPr>
           <a:lstStyle/>
           <a:p>
-            <a:pPr marL="0" indent="0">
-              <a:lnSpc>
-                <a:spcPct val="150000"/>
-              </a:lnSpc>
-              <a:buNone/>
-            </a:pPr>
-            <a:r>
-              <a:rPr lang="ru-RU" sz="2000" dirty="0">
-                <a:effectLst/>
+            <a:r>
+              <a:rPr lang="ru-RU" sz="3200" dirty="0">
+                <a:solidFill>
+                  <a:schemeClr val="tx1">
+                    <a:lumMod val="75000"/>
+                    <a:lumOff val="25000"/>
+                  </a:schemeClr>
+                </a:solidFill>
                 <a:latin typeface="Trebuchet MS (Основной текст)"/>
-                <a:ea typeface="Calibri" panose="020F0502020204030204" pitchFamily="34" charset="0"/>
+                <a:cs typeface="Times New Roman" panose="02020603050405020304" pitchFamily="18" charset="0"/>
               </a:rPr>
-              <a:t>«Прототипирование + Каскадная модель»</a:t>
-            </a:r>
-            <a:endParaRPr lang="ru-RU" sz="2000" dirty="0">
-              <a:latin typeface="Trebuchet MS (Основной текст)"/>
-            </a:endParaRPr>
+              <a:t>3</a:t>
+            </a:r>
+            <a:r>
+              <a:rPr lang="en-US" sz="3200" dirty="0">
+                <a:solidFill>
+                  <a:schemeClr val="tx1">
+                    <a:lumMod val="75000"/>
+                    <a:lumOff val="25000"/>
+                  </a:schemeClr>
+                </a:solidFill>
+                <a:latin typeface="Trebuchet MS (Основной текст)"/>
+                <a:cs typeface="Times New Roman" panose="02020603050405020304" pitchFamily="18" charset="0"/>
+              </a:rPr>
+              <a:t>/1</a:t>
+            </a:r>
+            <a:r>
+              <a:rPr lang="ru-RU" sz="3200" dirty="0">
+                <a:solidFill>
+                  <a:schemeClr val="tx1">
+                    <a:lumMod val="75000"/>
+                    <a:lumOff val="25000"/>
+                  </a:schemeClr>
+                </a:solidFill>
+                <a:latin typeface="Trebuchet MS (Основной текст)"/>
+                <a:cs typeface="Times New Roman" panose="02020603050405020304" pitchFamily="18" charset="0"/>
+              </a:rPr>
+              <a:t>2</a:t>
+            </a:r>
           </a:p>
         </p:txBody>
       </p:sp>
       <p:pic>
         <p:nvPicPr>
-          <p:cNvPr id="5" name="Рисунок 4" descr="Изображение выглядит как диаграмма, План, Технический чертеж, схематичный&#10;&#10;Автоматически созданное описание">
+          <p:cNvPr id="27" name="Объект 26">
             <a:extLst>
               <a:ext uri="{FF2B5EF4-FFF2-40B4-BE49-F238E27FC236}">
-                <a16:creationId xmlns:a16="http://schemas.microsoft.com/office/drawing/2014/main" id="{04275597-1581-1A81-CD0D-5EC126AE2CDF}"/>
+                <a16:creationId xmlns:a16="http://schemas.microsoft.com/office/drawing/2014/main" id="{344F988D-0897-6751-1C6A-64CA4A097669}"/>
               </a:ext>
             </a:extLst>
           </p:cNvPr>
           <p:cNvPicPr>
-            <a:picLocks noChangeAspect="1"/>
+            <a:picLocks noGrp="1" noChangeAspect="1"/>
           </p:cNvPicPr>
-          <p:nvPr/>
+          <p:nvPr>
+            <p:ph idx="1"/>
+          </p:nvPr>
         </p:nvPicPr>
         <p:blipFill>
           <a:blip r:embed="rId2"/>
@@ -7464,84 +7502,11 @@
         </p:blipFill>
         <p:spPr>
           <a:xfrm>
-            <a:off x="677334" y="2748773"/>
-            <a:ext cx="7108646" cy="3817620"/>
+            <a:off x="228601" y="1233246"/>
+            <a:ext cx="10734674" cy="5765876"/>
           </a:xfrm>
-          <a:prstGeom prst="rect">
-            <a:avLst/>
-          </a:prstGeom>
         </p:spPr>
       </p:pic>
-      <p:sp>
-        <p:nvSpPr>
-          <p:cNvPr id="6" name="TextBox 5">
-            <a:extLst>
-              <a:ext uri="{FF2B5EF4-FFF2-40B4-BE49-F238E27FC236}">
-                <a16:creationId xmlns:a16="http://schemas.microsoft.com/office/drawing/2014/main" id="{8AA0C2C0-3E14-47C6-BBEE-809A3DC477C5}"/>
-              </a:ext>
-            </a:extLst>
-          </p:cNvPr>
-          <p:cNvSpPr txBox="1"/>
-          <p:nvPr/>
-        </p:nvSpPr>
-        <p:spPr>
-          <a:xfrm>
-            <a:off x="11464358" y="6445189"/>
-            <a:ext cx="727642" cy="400110"/>
-          </a:xfrm>
-          <a:prstGeom prst="rect">
-            <a:avLst/>
-          </a:prstGeom>
-          <a:noFill/>
-        </p:spPr>
-        <p:txBody>
-          <a:bodyPr wrap="square" rtlCol="0">
-            <a:spAutoFit/>
-          </a:bodyPr>
-          <a:lstStyle/>
-          <a:p>
-            <a:r>
-              <a:rPr lang="ru-RU" sz="2000" dirty="0">
-                <a:solidFill>
-                  <a:schemeClr val="tx1">
-                    <a:lumMod val="75000"/>
-                    <a:lumOff val="25000"/>
-                  </a:schemeClr>
-                </a:solidFill>
-                <a:latin typeface="Trebuchet MS (Основной текст)"/>
-                <a:cs typeface="Times New Roman" panose="02020603050405020304" pitchFamily="18" charset="0"/>
-              </a:rPr>
-              <a:t>3</a:t>
-            </a:r>
-            <a:r>
-              <a:rPr lang="en-US" sz="2000" dirty="0">
-                <a:solidFill>
-                  <a:schemeClr val="tx1">
-                    <a:lumMod val="75000"/>
-                    <a:lumOff val="25000"/>
-                  </a:schemeClr>
-                </a:solidFill>
-                <a:latin typeface="Trebuchet MS (Основной текст)"/>
-                <a:cs typeface="Times New Roman" panose="02020603050405020304" pitchFamily="18" charset="0"/>
-              </a:rPr>
-              <a:t>/1</a:t>
-            </a:r>
-            <a:r>
-              <a:rPr lang="ru-RU" sz="2000" dirty="0">
-                <a:solidFill>
-                  <a:schemeClr val="tx1">
-                    <a:lumMod val="75000"/>
-                    <a:lumOff val="25000"/>
-                  </a:schemeClr>
-                </a:solidFill>
-                <a:latin typeface="Trebuchet MS (Основной текст)"/>
-                <a:cs typeface="Times New Roman" panose="02020603050405020304" pitchFamily="18" charset="0"/>
-              </a:rPr>
-              <a:t>2</a:t>
-            </a:r>
-          </a:p>
-        </p:txBody>
-      </p:sp>
     </p:spTree>
     <p:extLst>
       <p:ext uri="{BB962C8B-B14F-4D97-AF65-F5344CB8AC3E}">
@@ -7889,8 +7854,8 @@
         </p:nvSpPr>
         <p:spPr>
           <a:xfrm>
-            <a:off x="11464358" y="6445189"/>
-            <a:ext cx="727642" cy="400110"/>
+            <a:off x="11144816" y="6273225"/>
+            <a:ext cx="1047184" cy="584775"/>
           </a:xfrm>
           <a:prstGeom prst="rect">
             <a:avLst/>
@@ -7904,7 +7869,7 @@
           <a:lstStyle/>
           <a:p>
             <a:r>
-              <a:rPr lang="ru-RU" sz="2000" dirty="0">
+              <a:rPr lang="ru-RU" sz="3200" dirty="0">
                 <a:solidFill>
                   <a:schemeClr val="tx1">
                     <a:lumMod val="75000"/>
@@ -7917,7 +7882,7 @@
               <a:t>4</a:t>
             </a:r>
             <a:r>
-              <a:rPr lang="en-US" sz="2000" dirty="0">
+              <a:rPr lang="en-US" sz="3200" dirty="0">
                 <a:solidFill>
                   <a:schemeClr val="tx1">
                     <a:lumMod val="75000"/>
@@ -7930,7 +7895,7 @@
               <a:t>/1</a:t>
             </a:r>
             <a:r>
-              <a:rPr lang="ru-RU" sz="2000" dirty="0">
+              <a:rPr lang="ru-RU" sz="3200" dirty="0">
                 <a:solidFill>
                   <a:schemeClr val="tx1">
                     <a:lumMod val="75000"/>
@@ -8138,14 +8103,14 @@
           <p:nvPr>
             <p:extLst>
               <p:ext uri="{D42A27DB-BD31-4B8C-83A1-F6EECF244321}">
-                <p14:modId xmlns:p14="http://schemas.microsoft.com/office/powerpoint/2010/main" val="348583266"/>
+                <p14:modId xmlns:p14="http://schemas.microsoft.com/office/powerpoint/2010/main" val="1955574722"/>
               </p:ext>
             </p:extLst>
           </p:nvPr>
         </p:nvGraphicFramePr>
         <p:xfrm>
-          <a:off x="677334" y="192671"/>
-          <a:ext cx="9699290" cy="5728735"/>
+          <a:off x="56023" y="-361540"/>
+          <a:ext cx="12079953" cy="7134837"/>
         </p:xfrm>
         <a:graphic>
           <a:graphicData uri="http://schemas.openxmlformats.org/presentationml/2006/ole">
@@ -8181,8 +8146,8 @@
                     </p:blipFill>
                     <p:spPr bwMode="auto">
                       <a:xfrm>
-                        <a:off x="677334" y="192671"/>
-                        <a:ext cx="9699290" cy="5728735"/>
+                        <a:off x="56023" y="-361540"/>
+                        <a:ext cx="12079953" cy="7134837"/>
                       </a:xfrm>
                       <a:prstGeom prst="rect">
                         <a:avLst/>
@@ -8210,8 +8175,8 @@
         </p:nvSpPr>
         <p:spPr>
           <a:xfrm>
-            <a:off x="11464358" y="6445189"/>
-            <a:ext cx="727642" cy="400110"/>
+            <a:off x="11144816" y="6273225"/>
+            <a:ext cx="1047184" cy="584775"/>
           </a:xfrm>
           <a:prstGeom prst="rect">
             <a:avLst/>
@@ -8225,7 +8190,7 @@
           <a:lstStyle/>
           <a:p>
             <a:r>
-              <a:rPr lang="ru-RU" sz="2000" dirty="0">
+              <a:rPr lang="ru-RU" sz="3200" dirty="0">
                 <a:solidFill>
                   <a:schemeClr val="tx1">
                     <a:lumMod val="75000"/>
@@ -8238,7 +8203,7 @@
               <a:t>5</a:t>
             </a:r>
             <a:r>
-              <a:rPr lang="en-US" sz="2000" dirty="0">
+              <a:rPr lang="en-US" sz="3200" dirty="0">
                 <a:solidFill>
                   <a:schemeClr val="tx1">
                     <a:lumMod val="75000"/>
@@ -8251,7 +8216,7 @@
               <a:t>/1</a:t>
             </a:r>
             <a:r>
-              <a:rPr lang="ru-RU" sz="2000" dirty="0">
+              <a:rPr lang="ru-RU" sz="3200" dirty="0">
                 <a:solidFill>
                   <a:schemeClr val="tx1">
                     <a:lumMod val="75000"/>
@@ -8709,8 +8674,8 @@
         </p:nvSpPr>
         <p:spPr>
           <a:xfrm>
-            <a:off x="11464358" y="6445189"/>
-            <a:ext cx="727642" cy="400110"/>
+            <a:off x="11096625" y="6273225"/>
+            <a:ext cx="1095375" cy="584775"/>
           </a:xfrm>
           <a:prstGeom prst="rect">
             <a:avLst/>
@@ -8724,7 +8689,7 @@
           <a:lstStyle/>
           <a:p>
             <a:r>
-              <a:rPr lang="ru-RU" sz="2000" dirty="0">
+              <a:rPr lang="ru-RU" sz="3200" dirty="0">
                 <a:solidFill>
                   <a:schemeClr val="tx1">
                     <a:lumMod val="75000"/>
@@ -8737,7 +8702,7 @@
               <a:t>6</a:t>
             </a:r>
             <a:r>
-              <a:rPr lang="en-US" sz="2000" dirty="0">
+              <a:rPr lang="en-US" sz="3200" dirty="0">
                 <a:solidFill>
                   <a:schemeClr val="tx1">
                     <a:lumMod val="75000"/>
@@ -8750,7 +8715,7 @@
               <a:t>/1</a:t>
             </a:r>
             <a:r>
-              <a:rPr lang="ru-RU" sz="2000" dirty="0">
+              <a:rPr lang="ru-RU" sz="3200" dirty="0">
                 <a:solidFill>
                   <a:schemeClr val="tx1">
                     <a:lumMod val="75000"/>
@@ -8930,8 +8895,8 @@
         </p:nvSpPr>
         <p:spPr>
           <a:xfrm>
-            <a:off x="11464358" y="6445189"/>
-            <a:ext cx="727642" cy="400110"/>
+            <a:off x="11115675" y="6273225"/>
+            <a:ext cx="1076325" cy="584775"/>
           </a:xfrm>
           <a:prstGeom prst="rect">
             <a:avLst/>
@@ -8945,7 +8910,7 @@
           <a:lstStyle/>
           <a:p>
             <a:r>
-              <a:rPr lang="ru-RU" sz="2000" dirty="0">
+              <a:rPr lang="ru-RU" sz="3200" dirty="0">
                 <a:solidFill>
                   <a:schemeClr val="tx1">
                     <a:lumMod val="75000"/>
@@ -8958,7 +8923,7 @@
               <a:t>7</a:t>
             </a:r>
             <a:r>
-              <a:rPr lang="en-US" sz="2000" dirty="0">
+              <a:rPr lang="en-US" sz="3200" dirty="0">
                 <a:solidFill>
                   <a:schemeClr val="tx1">
                     <a:lumMod val="75000"/>
@@ -8971,7 +8936,7 @@
               <a:t>/1</a:t>
             </a:r>
             <a:r>
-              <a:rPr lang="ru-RU" sz="2000" dirty="0">
+              <a:rPr lang="ru-RU" sz="3200" dirty="0">
                 <a:solidFill>
                   <a:schemeClr val="tx1">
                     <a:lumMod val="75000"/>
@@ -9151,8 +9116,8 @@
         </p:nvSpPr>
         <p:spPr>
           <a:xfrm>
-            <a:off x="11464358" y="6445189"/>
-            <a:ext cx="727642" cy="400110"/>
+            <a:off x="11096625" y="6273225"/>
+            <a:ext cx="1095375" cy="584775"/>
           </a:xfrm>
           <a:prstGeom prst="rect">
             <a:avLst/>
@@ -9166,7 +9131,7 @@
           <a:lstStyle/>
           <a:p>
             <a:r>
-              <a:rPr lang="ru-RU" sz="2000" dirty="0">
+              <a:rPr lang="ru-RU" sz="3200" dirty="0">
                 <a:solidFill>
                   <a:schemeClr val="tx1">
                     <a:lumMod val="75000"/>
@@ -9179,7 +9144,7 @@
               <a:t>8</a:t>
             </a:r>
             <a:r>
-              <a:rPr lang="en-US" sz="2000" dirty="0">
+              <a:rPr lang="en-US" sz="3200" dirty="0">
                 <a:solidFill>
                   <a:schemeClr val="tx1">
                     <a:lumMod val="75000"/>
@@ -9192,7 +9157,7 @@
               <a:t>/1</a:t>
             </a:r>
             <a:r>
-              <a:rPr lang="ru-RU" sz="2000" dirty="0">
+              <a:rPr lang="ru-RU" sz="3200" dirty="0">
                 <a:solidFill>
                   <a:schemeClr val="tx1">
                     <a:lumMod val="75000"/>
@@ -9383,8 +9348,8 @@
         </p:nvSpPr>
         <p:spPr>
           <a:xfrm>
-            <a:off x="11464358" y="6445189"/>
-            <a:ext cx="727642" cy="400110"/>
+            <a:off x="11068050" y="6273225"/>
+            <a:ext cx="1123950" cy="584775"/>
           </a:xfrm>
           <a:prstGeom prst="rect">
             <a:avLst/>
@@ -9398,7 +9363,7 @@
           <a:lstStyle/>
           <a:p>
             <a:r>
-              <a:rPr lang="ru-RU" sz="2000" dirty="0">
+              <a:rPr lang="ru-RU" sz="3200" dirty="0">
                 <a:solidFill>
                   <a:schemeClr val="tx1">
                     <a:lumMod val="75000"/>
@@ -9411,7 +9376,7 @@
               <a:t>9</a:t>
             </a:r>
             <a:r>
-              <a:rPr lang="en-US" sz="2000" dirty="0">
+              <a:rPr lang="en-US" sz="3200" dirty="0">
                 <a:solidFill>
                   <a:schemeClr val="tx1">
                     <a:lumMod val="75000"/>
@@ -9424,7 +9389,7 @@
               <a:t>/1</a:t>
             </a:r>
             <a:r>
-              <a:rPr lang="ru-RU" sz="2000" dirty="0">
+              <a:rPr lang="ru-RU" sz="3200" dirty="0">
                 <a:solidFill>
                   <a:schemeClr val="tx1">
                     <a:lumMod val="75000"/>
@@ -9454,14 +9419,14 @@
           <p:nvPr>
             <p:extLst>
               <p:ext uri="{D42A27DB-BD31-4B8C-83A1-F6EECF244321}">
-                <p14:modId xmlns:p14="http://schemas.microsoft.com/office/powerpoint/2010/main" val="1032172564"/>
+                <p14:modId xmlns:p14="http://schemas.microsoft.com/office/powerpoint/2010/main" val="51924452"/>
               </p:ext>
             </p:extLst>
           </p:nvPr>
         </p:nvGraphicFramePr>
         <p:xfrm>
-          <a:off x="677334" y="2955535"/>
-          <a:ext cx="10684636" cy="1972066"/>
+          <a:off x="374674" y="2815628"/>
+          <a:ext cx="11442651" cy="2111973"/>
         </p:xfrm>
         <a:graphic>
           <a:graphicData uri="http://schemas.openxmlformats.org/presentationml/2006/ole">
@@ -9488,8 +9453,8 @@
                     </p:blipFill>
                     <p:spPr>
                       <a:xfrm>
-                        <a:off x="677334" y="2955535"/>
-                        <a:ext cx="10684636" cy="1972066"/>
+                        <a:off x="374674" y="2815628"/>
+                        <a:ext cx="11442651" cy="2111973"/>
                       </a:xfrm>
                       <a:prstGeom prst="rect">
                         <a:avLst/>

--- a/documents/presentation/Электроный Дневник Политеха.pptx
+++ b/documents/presentation/Электроный Дневник Политеха.pptx
@@ -7478,35 +7478,959 @@
           </a:p>
         </p:txBody>
       </p:sp>
-      <p:pic>
-        <p:nvPicPr>
-          <p:cNvPr id="27" name="Объект 26">
+      <p:sp>
+        <p:nvSpPr>
+          <p:cNvPr id="3" name="Прямоугольник 2">
             <a:extLst>
               <a:ext uri="{FF2B5EF4-FFF2-40B4-BE49-F238E27FC236}">
-                <a16:creationId xmlns:a16="http://schemas.microsoft.com/office/drawing/2014/main" id="{344F988D-0897-6751-1C6A-64CA4A097669}"/>
+                <a16:creationId xmlns:a16="http://schemas.microsoft.com/office/drawing/2014/main" id="{1085CAD3-02A3-E377-2B77-A906B1B3A2C9}"/>
               </a:ext>
             </a:extLst>
           </p:cNvPr>
-          <p:cNvPicPr>
-            <a:picLocks noGrp="1" noChangeAspect="1"/>
-          </p:cNvPicPr>
-          <p:nvPr>
-            <p:ph idx="1"/>
-          </p:nvPr>
-        </p:nvPicPr>
-        <p:blipFill>
-          <a:blip r:embed="rId2"/>
-          <a:stretch>
-            <a:fillRect/>
-          </a:stretch>
-        </p:blipFill>
+          <p:cNvSpPr/>
+          <p:nvPr/>
+        </p:nvSpPr>
         <p:spPr>
           <a:xfrm>
-            <a:off x="228601" y="1233246"/>
-            <a:ext cx="10734674" cy="5765876"/>
+            <a:off x="354227" y="1358019"/>
+            <a:ext cx="1748995" cy="805759"/>
           </a:xfrm>
+          <a:prstGeom prst="rect">
+            <a:avLst/>
+          </a:prstGeom>
+          <a:solidFill>
+            <a:schemeClr val="bg1"/>
+          </a:solidFill>
+          <a:ln w="25400">
+            <a:solidFill>
+              <a:schemeClr val="tx1"/>
+            </a:solidFill>
+          </a:ln>
         </p:spPr>
-      </p:pic>
+        <p:style>
+          <a:lnRef idx="2">
+            <a:schemeClr val="accent1">
+              <a:shade val="15000"/>
+            </a:schemeClr>
+          </a:lnRef>
+          <a:fillRef idx="1">
+            <a:schemeClr val="accent1"/>
+          </a:fillRef>
+          <a:effectRef idx="0">
+            <a:schemeClr val="accent1"/>
+          </a:effectRef>
+          <a:fontRef idx="minor">
+            <a:schemeClr val="lt1"/>
+          </a:fontRef>
+        </p:style>
+        <p:txBody>
+          <a:bodyPr rtlCol="0" anchor="ctr"/>
+          <a:lstStyle/>
+          <a:p>
+            <a:pPr algn="ctr"/>
+            <a:r>
+              <a:rPr lang="ru-RU" dirty="0">
+                <a:solidFill>
+                  <a:schemeClr val="tx1"/>
+                </a:solidFill>
+                <a:latin typeface="Times New Roman" panose="02020603050405020304" pitchFamily="18" charset="0"/>
+                <a:cs typeface="Times New Roman" panose="02020603050405020304" pitchFamily="18" charset="0"/>
+              </a:rPr>
+              <a:t>Создание прототипов и требований</a:t>
+            </a:r>
+          </a:p>
+        </p:txBody>
+      </p:sp>
+      <p:sp>
+        <p:nvSpPr>
+          <p:cNvPr id="5" name="Прямоугольник 4">
+            <a:extLst>
+              <a:ext uri="{FF2B5EF4-FFF2-40B4-BE49-F238E27FC236}">
+                <a16:creationId xmlns:a16="http://schemas.microsoft.com/office/drawing/2014/main" id="{402EE37D-0378-B025-0C0A-C55B005E49F5}"/>
+              </a:ext>
+            </a:extLst>
+          </p:cNvPr>
+          <p:cNvSpPr/>
+          <p:nvPr/>
+        </p:nvSpPr>
+        <p:spPr>
+          <a:xfrm>
+            <a:off x="2103222" y="2166036"/>
+            <a:ext cx="1593609" cy="671467"/>
+          </a:xfrm>
+          <a:prstGeom prst="rect">
+            <a:avLst/>
+          </a:prstGeom>
+          <a:solidFill>
+            <a:schemeClr val="bg1"/>
+          </a:solidFill>
+          <a:ln w="25400">
+            <a:solidFill>
+              <a:schemeClr val="tx1"/>
+            </a:solidFill>
+          </a:ln>
+        </p:spPr>
+        <p:style>
+          <a:lnRef idx="2">
+            <a:schemeClr val="accent1">
+              <a:shade val="15000"/>
+            </a:schemeClr>
+          </a:lnRef>
+          <a:fillRef idx="1">
+            <a:schemeClr val="accent1"/>
+          </a:fillRef>
+          <a:effectRef idx="0">
+            <a:schemeClr val="accent1"/>
+          </a:effectRef>
+          <a:fontRef idx="minor">
+            <a:schemeClr val="lt1"/>
+          </a:fontRef>
+        </p:style>
+        <p:txBody>
+          <a:bodyPr rtlCol="0" anchor="ctr"/>
+          <a:lstStyle/>
+          <a:p>
+            <a:pPr algn="ctr"/>
+            <a:r>
+              <a:rPr lang="ru-RU" dirty="0">
+                <a:solidFill>
+                  <a:schemeClr val="tx1"/>
+                </a:solidFill>
+                <a:latin typeface="Times New Roman" panose="02020603050405020304" pitchFamily="18" charset="0"/>
+                <a:cs typeface="Times New Roman" panose="02020603050405020304" pitchFamily="18" charset="0"/>
+              </a:rPr>
+              <a:t>Планирование</a:t>
+            </a:r>
+          </a:p>
+        </p:txBody>
+      </p:sp>
+      <p:cxnSp>
+        <p:nvCxnSpPr>
+          <p:cNvPr id="8" name="Соединитель: уступ 7">
+            <a:extLst>
+              <a:ext uri="{FF2B5EF4-FFF2-40B4-BE49-F238E27FC236}">
+                <a16:creationId xmlns:a16="http://schemas.microsoft.com/office/drawing/2014/main" id="{D186A33B-DC74-5802-5725-03107E36AF2C}"/>
+              </a:ext>
+            </a:extLst>
+          </p:cNvPr>
+          <p:cNvCxnSpPr>
+            <a:stCxn id="3" idx="3"/>
+            <a:endCxn id="5" idx="0"/>
+          </p:cNvCxnSpPr>
+          <p:nvPr/>
+        </p:nvCxnSpPr>
+        <p:spPr>
+          <a:xfrm>
+            <a:off x="2103222" y="1760899"/>
+            <a:ext cx="796805" cy="405137"/>
+          </a:xfrm>
+          <a:prstGeom prst="bentConnector2">
+            <a:avLst/>
+          </a:prstGeom>
+          <a:ln w="25400">
+            <a:tailEnd type="triangle"/>
+          </a:ln>
+        </p:spPr>
+        <p:style>
+          <a:lnRef idx="1">
+            <a:schemeClr val="dk1"/>
+          </a:lnRef>
+          <a:fillRef idx="0">
+            <a:schemeClr val="dk1"/>
+          </a:fillRef>
+          <a:effectRef idx="0">
+            <a:schemeClr val="dk1"/>
+          </a:effectRef>
+          <a:fontRef idx="minor">
+            <a:schemeClr val="tx1"/>
+          </a:fontRef>
+        </p:style>
+      </p:cxnSp>
+      <p:sp>
+        <p:nvSpPr>
+          <p:cNvPr id="10" name="Прямоугольник 9">
+            <a:extLst>
+              <a:ext uri="{FF2B5EF4-FFF2-40B4-BE49-F238E27FC236}">
+                <a16:creationId xmlns:a16="http://schemas.microsoft.com/office/drawing/2014/main" id="{B4F6B632-3394-9F13-20E6-FB85E166BB97}"/>
+              </a:ext>
+            </a:extLst>
+          </p:cNvPr>
+          <p:cNvSpPr/>
+          <p:nvPr/>
+        </p:nvSpPr>
+        <p:spPr>
+          <a:xfrm>
+            <a:off x="3696831" y="2837503"/>
+            <a:ext cx="1593609" cy="671467"/>
+          </a:xfrm>
+          <a:prstGeom prst="rect">
+            <a:avLst/>
+          </a:prstGeom>
+          <a:solidFill>
+            <a:schemeClr val="bg1"/>
+          </a:solidFill>
+          <a:ln w="25400">
+            <a:solidFill>
+              <a:schemeClr val="tx1"/>
+            </a:solidFill>
+          </a:ln>
+        </p:spPr>
+        <p:style>
+          <a:lnRef idx="2">
+            <a:schemeClr val="accent1">
+              <a:shade val="15000"/>
+            </a:schemeClr>
+          </a:lnRef>
+          <a:fillRef idx="1">
+            <a:schemeClr val="accent1"/>
+          </a:fillRef>
+          <a:effectRef idx="0">
+            <a:schemeClr val="accent1"/>
+          </a:effectRef>
+          <a:fontRef idx="minor">
+            <a:schemeClr val="lt1"/>
+          </a:fontRef>
+        </p:style>
+        <p:txBody>
+          <a:bodyPr rtlCol="0" anchor="ctr"/>
+          <a:lstStyle/>
+          <a:p>
+            <a:pPr algn="ctr"/>
+            <a:r>
+              <a:rPr lang="ru-RU" dirty="0">
+                <a:solidFill>
+                  <a:schemeClr val="tx1"/>
+                </a:solidFill>
+                <a:latin typeface="Times New Roman" panose="02020603050405020304" pitchFamily="18" charset="0"/>
+                <a:cs typeface="Times New Roman" panose="02020603050405020304" pitchFamily="18" charset="0"/>
+              </a:rPr>
+              <a:t>Дизайн</a:t>
+            </a:r>
+          </a:p>
+        </p:txBody>
+      </p:sp>
+      <p:sp>
+        <p:nvSpPr>
+          <p:cNvPr id="11" name="Прямоугольник 10">
+            <a:extLst>
+              <a:ext uri="{FF2B5EF4-FFF2-40B4-BE49-F238E27FC236}">
+                <a16:creationId xmlns:a16="http://schemas.microsoft.com/office/drawing/2014/main" id="{F9AFF8FD-EE50-501C-98A8-7D74FBECCDD8}"/>
+              </a:ext>
+            </a:extLst>
+          </p:cNvPr>
+          <p:cNvSpPr/>
+          <p:nvPr/>
+        </p:nvSpPr>
+        <p:spPr>
+          <a:xfrm>
+            <a:off x="5290440" y="3516298"/>
+            <a:ext cx="1593609" cy="671467"/>
+          </a:xfrm>
+          <a:prstGeom prst="rect">
+            <a:avLst/>
+          </a:prstGeom>
+          <a:solidFill>
+            <a:schemeClr val="bg1"/>
+          </a:solidFill>
+          <a:ln w="25400">
+            <a:solidFill>
+              <a:schemeClr val="tx1"/>
+            </a:solidFill>
+          </a:ln>
+        </p:spPr>
+        <p:style>
+          <a:lnRef idx="2">
+            <a:schemeClr val="accent1">
+              <a:shade val="15000"/>
+            </a:schemeClr>
+          </a:lnRef>
+          <a:fillRef idx="1">
+            <a:schemeClr val="accent1"/>
+          </a:fillRef>
+          <a:effectRef idx="0">
+            <a:schemeClr val="accent1"/>
+          </a:effectRef>
+          <a:fontRef idx="minor">
+            <a:schemeClr val="lt1"/>
+          </a:fontRef>
+        </p:style>
+        <p:txBody>
+          <a:bodyPr rtlCol="0" anchor="ctr"/>
+          <a:lstStyle/>
+          <a:p>
+            <a:pPr algn="ctr"/>
+            <a:r>
+              <a:rPr lang="ru-RU" dirty="0">
+                <a:solidFill>
+                  <a:schemeClr val="tx1"/>
+                </a:solidFill>
+                <a:latin typeface="Times New Roman" panose="02020603050405020304" pitchFamily="18" charset="0"/>
+                <a:cs typeface="Times New Roman" panose="02020603050405020304" pitchFamily="18" charset="0"/>
+              </a:rPr>
+              <a:t>Кодирование</a:t>
+            </a:r>
+          </a:p>
+        </p:txBody>
+      </p:sp>
+      <p:sp>
+        <p:nvSpPr>
+          <p:cNvPr id="12" name="Прямоугольник 11">
+            <a:extLst>
+              <a:ext uri="{FF2B5EF4-FFF2-40B4-BE49-F238E27FC236}">
+                <a16:creationId xmlns:a16="http://schemas.microsoft.com/office/drawing/2014/main" id="{E159577D-6E0F-9B6D-DCC9-DDF6750E813E}"/>
+              </a:ext>
+            </a:extLst>
+          </p:cNvPr>
+          <p:cNvSpPr/>
+          <p:nvPr/>
+        </p:nvSpPr>
+        <p:spPr>
+          <a:xfrm>
+            <a:off x="6884049" y="4187765"/>
+            <a:ext cx="1593609" cy="671467"/>
+          </a:xfrm>
+          <a:prstGeom prst="rect">
+            <a:avLst/>
+          </a:prstGeom>
+          <a:solidFill>
+            <a:schemeClr val="bg1"/>
+          </a:solidFill>
+          <a:ln w="25400">
+            <a:solidFill>
+              <a:schemeClr val="tx1"/>
+            </a:solidFill>
+          </a:ln>
+        </p:spPr>
+        <p:style>
+          <a:lnRef idx="2">
+            <a:schemeClr val="accent1">
+              <a:shade val="15000"/>
+            </a:schemeClr>
+          </a:lnRef>
+          <a:fillRef idx="1">
+            <a:schemeClr val="accent1"/>
+          </a:fillRef>
+          <a:effectRef idx="0">
+            <a:schemeClr val="accent1"/>
+          </a:effectRef>
+          <a:fontRef idx="minor">
+            <a:schemeClr val="lt1"/>
+          </a:fontRef>
+        </p:style>
+        <p:txBody>
+          <a:bodyPr rtlCol="0" anchor="ctr"/>
+          <a:lstStyle/>
+          <a:p>
+            <a:pPr algn="ctr"/>
+            <a:r>
+              <a:rPr lang="ru-RU" dirty="0">
+                <a:solidFill>
+                  <a:schemeClr val="tx1"/>
+                </a:solidFill>
+                <a:latin typeface="Times New Roman" panose="02020603050405020304" pitchFamily="18" charset="0"/>
+                <a:cs typeface="Times New Roman" panose="02020603050405020304" pitchFamily="18" charset="0"/>
+              </a:rPr>
+              <a:t>Тестирование</a:t>
+            </a:r>
+          </a:p>
+        </p:txBody>
+      </p:sp>
+      <p:sp>
+        <p:nvSpPr>
+          <p:cNvPr id="13" name="Прямоугольник 12">
+            <a:extLst>
+              <a:ext uri="{FF2B5EF4-FFF2-40B4-BE49-F238E27FC236}">
+                <a16:creationId xmlns:a16="http://schemas.microsoft.com/office/drawing/2014/main" id="{972037E3-BD4E-25EA-493D-1C205EB79F05}"/>
+              </a:ext>
+            </a:extLst>
+          </p:cNvPr>
+          <p:cNvSpPr/>
+          <p:nvPr/>
+        </p:nvSpPr>
+        <p:spPr>
+          <a:xfrm>
+            <a:off x="8477658" y="4866796"/>
+            <a:ext cx="1593609" cy="671467"/>
+          </a:xfrm>
+          <a:prstGeom prst="rect">
+            <a:avLst/>
+          </a:prstGeom>
+          <a:solidFill>
+            <a:schemeClr val="bg1"/>
+          </a:solidFill>
+          <a:ln w="25400">
+            <a:solidFill>
+              <a:schemeClr val="tx1"/>
+            </a:solidFill>
+          </a:ln>
+        </p:spPr>
+        <p:style>
+          <a:lnRef idx="2">
+            <a:schemeClr val="accent1">
+              <a:shade val="15000"/>
+            </a:schemeClr>
+          </a:lnRef>
+          <a:fillRef idx="1">
+            <a:schemeClr val="accent1"/>
+          </a:fillRef>
+          <a:effectRef idx="0">
+            <a:schemeClr val="accent1"/>
+          </a:effectRef>
+          <a:fontRef idx="minor">
+            <a:schemeClr val="lt1"/>
+          </a:fontRef>
+        </p:style>
+        <p:txBody>
+          <a:bodyPr rtlCol="0" anchor="ctr"/>
+          <a:lstStyle/>
+          <a:p>
+            <a:pPr algn="ctr"/>
+            <a:r>
+              <a:rPr lang="ru-RU" dirty="0">
+                <a:solidFill>
+                  <a:schemeClr val="tx1"/>
+                </a:solidFill>
+                <a:latin typeface="Times New Roman" panose="02020603050405020304" pitchFamily="18" charset="0"/>
+                <a:cs typeface="Times New Roman" panose="02020603050405020304" pitchFamily="18" charset="0"/>
+              </a:rPr>
+              <a:t>Инсталляция</a:t>
+            </a:r>
+          </a:p>
+        </p:txBody>
+      </p:sp>
+      <p:sp>
+        <p:nvSpPr>
+          <p:cNvPr id="14" name="Прямоугольник 13">
+            <a:extLst>
+              <a:ext uri="{FF2B5EF4-FFF2-40B4-BE49-F238E27FC236}">
+                <a16:creationId xmlns:a16="http://schemas.microsoft.com/office/drawing/2014/main" id="{C3FFD934-A682-B876-7648-7B58441EA0E7}"/>
+              </a:ext>
+            </a:extLst>
+          </p:cNvPr>
+          <p:cNvSpPr/>
+          <p:nvPr/>
+        </p:nvSpPr>
+        <p:spPr>
+          <a:xfrm>
+            <a:off x="10071267" y="5538263"/>
+            <a:ext cx="1742885" cy="671467"/>
+          </a:xfrm>
+          <a:prstGeom prst="rect">
+            <a:avLst/>
+          </a:prstGeom>
+          <a:solidFill>
+            <a:schemeClr val="bg1"/>
+          </a:solidFill>
+          <a:ln w="25400">
+            <a:solidFill>
+              <a:schemeClr val="tx1"/>
+            </a:solidFill>
+          </a:ln>
+        </p:spPr>
+        <p:style>
+          <a:lnRef idx="2">
+            <a:schemeClr val="accent1">
+              <a:shade val="15000"/>
+            </a:schemeClr>
+          </a:lnRef>
+          <a:fillRef idx="1">
+            <a:schemeClr val="accent1"/>
+          </a:fillRef>
+          <a:effectRef idx="0">
+            <a:schemeClr val="accent1"/>
+          </a:effectRef>
+          <a:fontRef idx="minor">
+            <a:schemeClr val="lt1"/>
+          </a:fontRef>
+        </p:style>
+        <p:txBody>
+          <a:bodyPr rtlCol="0" anchor="ctr"/>
+          <a:lstStyle/>
+          <a:p>
+            <a:pPr algn="ctr"/>
+            <a:r>
+              <a:rPr lang="ru-RU" dirty="0">
+                <a:solidFill>
+                  <a:schemeClr val="tx1"/>
+                </a:solidFill>
+                <a:latin typeface="Times New Roman" panose="02020603050405020304" pitchFamily="18" charset="0"/>
+                <a:cs typeface="Times New Roman" panose="02020603050405020304" pitchFamily="18" charset="0"/>
+              </a:rPr>
+              <a:t>Сопровождение</a:t>
+            </a:r>
+          </a:p>
+        </p:txBody>
+      </p:sp>
+      <p:cxnSp>
+        <p:nvCxnSpPr>
+          <p:cNvPr id="16" name="Соединитель: уступ 15">
+            <a:extLst>
+              <a:ext uri="{FF2B5EF4-FFF2-40B4-BE49-F238E27FC236}">
+                <a16:creationId xmlns:a16="http://schemas.microsoft.com/office/drawing/2014/main" id="{73AF7C51-18F1-D82E-0F90-0B19528862FC}"/>
+              </a:ext>
+            </a:extLst>
+          </p:cNvPr>
+          <p:cNvCxnSpPr>
+            <a:cxnSpLocks/>
+            <a:stCxn id="5" idx="3"/>
+            <a:endCxn id="10" idx="0"/>
+          </p:cNvCxnSpPr>
+          <p:nvPr/>
+        </p:nvCxnSpPr>
+        <p:spPr>
+          <a:xfrm>
+            <a:off x="3696831" y="2501770"/>
+            <a:ext cx="796805" cy="335733"/>
+          </a:xfrm>
+          <a:prstGeom prst="bentConnector2">
+            <a:avLst/>
+          </a:prstGeom>
+          <a:ln w="25400">
+            <a:tailEnd type="triangle"/>
+          </a:ln>
+        </p:spPr>
+        <p:style>
+          <a:lnRef idx="1">
+            <a:schemeClr val="dk1"/>
+          </a:lnRef>
+          <a:fillRef idx="0">
+            <a:schemeClr val="dk1"/>
+          </a:fillRef>
+          <a:effectRef idx="0">
+            <a:schemeClr val="dk1"/>
+          </a:effectRef>
+          <a:fontRef idx="minor">
+            <a:schemeClr val="tx1"/>
+          </a:fontRef>
+        </p:style>
+      </p:cxnSp>
+      <p:cxnSp>
+        <p:nvCxnSpPr>
+          <p:cNvPr id="19" name="Соединитель: уступ 18">
+            <a:extLst>
+              <a:ext uri="{FF2B5EF4-FFF2-40B4-BE49-F238E27FC236}">
+                <a16:creationId xmlns:a16="http://schemas.microsoft.com/office/drawing/2014/main" id="{B1B0075F-43B4-9714-706C-DDC92122111E}"/>
+              </a:ext>
+            </a:extLst>
+          </p:cNvPr>
+          <p:cNvCxnSpPr>
+            <a:cxnSpLocks/>
+            <a:endCxn id="11" idx="0"/>
+          </p:cNvCxnSpPr>
+          <p:nvPr/>
+        </p:nvCxnSpPr>
+        <p:spPr>
+          <a:xfrm>
+            <a:off x="5290440" y="3173236"/>
+            <a:ext cx="796805" cy="343062"/>
+          </a:xfrm>
+          <a:prstGeom prst="bentConnector2">
+            <a:avLst/>
+          </a:prstGeom>
+          <a:ln w="25400">
+            <a:tailEnd type="triangle"/>
+          </a:ln>
+        </p:spPr>
+        <p:style>
+          <a:lnRef idx="1">
+            <a:schemeClr val="dk1"/>
+          </a:lnRef>
+          <a:fillRef idx="0">
+            <a:schemeClr val="dk1"/>
+          </a:fillRef>
+          <a:effectRef idx="0">
+            <a:schemeClr val="dk1"/>
+          </a:effectRef>
+          <a:fontRef idx="minor">
+            <a:schemeClr val="tx1"/>
+          </a:fontRef>
+        </p:style>
+      </p:cxnSp>
+      <p:cxnSp>
+        <p:nvCxnSpPr>
+          <p:cNvPr id="22" name="Соединитель: уступ 21">
+            <a:extLst>
+              <a:ext uri="{FF2B5EF4-FFF2-40B4-BE49-F238E27FC236}">
+                <a16:creationId xmlns:a16="http://schemas.microsoft.com/office/drawing/2014/main" id="{42EC777C-8585-3DE7-3E04-A0CA18C21309}"/>
+              </a:ext>
+            </a:extLst>
+          </p:cNvPr>
+          <p:cNvCxnSpPr>
+            <a:cxnSpLocks/>
+            <a:stCxn id="11" idx="3"/>
+            <a:endCxn id="12" idx="0"/>
+          </p:cNvCxnSpPr>
+          <p:nvPr/>
+        </p:nvCxnSpPr>
+        <p:spPr>
+          <a:xfrm>
+            <a:off x="6884049" y="3852032"/>
+            <a:ext cx="796805" cy="335733"/>
+          </a:xfrm>
+          <a:prstGeom prst="bentConnector2">
+            <a:avLst/>
+          </a:prstGeom>
+          <a:ln w="25400">
+            <a:tailEnd type="triangle"/>
+          </a:ln>
+        </p:spPr>
+        <p:style>
+          <a:lnRef idx="1">
+            <a:schemeClr val="dk1"/>
+          </a:lnRef>
+          <a:fillRef idx="0">
+            <a:schemeClr val="dk1"/>
+          </a:fillRef>
+          <a:effectRef idx="0">
+            <a:schemeClr val="dk1"/>
+          </a:effectRef>
+          <a:fontRef idx="minor">
+            <a:schemeClr val="tx1"/>
+          </a:fontRef>
+        </p:style>
+      </p:cxnSp>
+      <p:cxnSp>
+        <p:nvCxnSpPr>
+          <p:cNvPr id="25" name="Соединитель: уступ 24">
+            <a:extLst>
+              <a:ext uri="{FF2B5EF4-FFF2-40B4-BE49-F238E27FC236}">
+                <a16:creationId xmlns:a16="http://schemas.microsoft.com/office/drawing/2014/main" id="{DBE83CF4-63F9-1AFB-BCF4-BB17712AE4A2}"/>
+              </a:ext>
+            </a:extLst>
+          </p:cNvPr>
+          <p:cNvCxnSpPr>
+            <a:cxnSpLocks/>
+            <a:stCxn id="12" idx="3"/>
+            <a:endCxn id="13" idx="0"/>
+          </p:cNvCxnSpPr>
+          <p:nvPr/>
+        </p:nvCxnSpPr>
+        <p:spPr>
+          <a:xfrm>
+            <a:off x="8477658" y="4523499"/>
+            <a:ext cx="796805" cy="343297"/>
+          </a:xfrm>
+          <a:prstGeom prst="bentConnector2">
+            <a:avLst/>
+          </a:prstGeom>
+          <a:ln w="25400">
+            <a:tailEnd type="triangle"/>
+          </a:ln>
+        </p:spPr>
+        <p:style>
+          <a:lnRef idx="1">
+            <a:schemeClr val="dk1"/>
+          </a:lnRef>
+          <a:fillRef idx="0">
+            <a:schemeClr val="dk1"/>
+          </a:fillRef>
+          <a:effectRef idx="0">
+            <a:schemeClr val="dk1"/>
+          </a:effectRef>
+          <a:fontRef idx="minor">
+            <a:schemeClr val="tx1"/>
+          </a:fontRef>
+        </p:style>
+      </p:cxnSp>
+      <p:cxnSp>
+        <p:nvCxnSpPr>
+          <p:cNvPr id="29" name="Соединитель: уступ 28">
+            <a:extLst>
+              <a:ext uri="{FF2B5EF4-FFF2-40B4-BE49-F238E27FC236}">
+                <a16:creationId xmlns:a16="http://schemas.microsoft.com/office/drawing/2014/main" id="{4E7AC828-5D9D-4577-DBAC-6A787CB4DA80}"/>
+              </a:ext>
+            </a:extLst>
+          </p:cNvPr>
+          <p:cNvCxnSpPr>
+            <a:cxnSpLocks/>
+            <a:stCxn id="13" idx="3"/>
+            <a:endCxn id="14" idx="0"/>
+          </p:cNvCxnSpPr>
+          <p:nvPr/>
+        </p:nvCxnSpPr>
+        <p:spPr>
+          <a:xfrm>
+            <a:off x="10071267" y="5202530"/>
+            <a:ext cx="871443" cy="335733"/>
+          </a:xfrm>
+          <a:prstGeom prst="bentConnector2">
+            <a:avLst/>
+          </a:prstGeom>
+          <a:ln w="25400">
+            <a:tailEnd type="triangle"/>
+          </a:ln>
+        </p:spPr>
+        <p:style>
+          <a:lnRef idx="1">
+            <a:schemeClr val="dk1"/>
+          </a:lnRef>
+          <a:fillRef idx="0">
+            <a:schemeClr val="dk1"/>
+          </a:fillRef>
+          <a:effectRef idx="0">
+            <a:schemeClr val="dk1"/>
+          </a:effectRef>
+          <a:fontRef idx="minor">
+            <a:schemeClr val="tx1"/>
+          </a:fontRef>
+        </p:style>
+      </p:cxnSp>
+      <p:cxnSp>
+        <p:nvCxnSpPr>
+          <p:cNvPr id="33" name="Прямая со стрелкой 32">
+            <a:extLst>
+              <a:ext uri="{FF2B5EF4-FFF2-40B4-BE49-F238E27FC236}">
+                <a16:creationId xmlns:a16="http://schemas.microsoft.com/office/drawing/2014/main" id="{C906273B-3623-856F-882B-8C18A2F4D6BD}"/>
+              </a:ext>
+            </a:extLst>
+          </p:cNvPr>
+          <p:cNvCxnSpPr>
+            <a:stCxn id="5" idx="2"/>
+          </p:cNvCxnSpPr>
+          <p:nvPr/>
+        </p:nvCxnSpPr>
+        <p:spPr>
+          <a:xfrm flipH="1">
+            <a:off x="2900026" y="2837503"/>
+            <a:ext cx="1" cy="3036493"/>
+          </a:xfrm>
+          <a:prstGeom prst="straightConnector1">
+            <a:avLst/>
+          </a:prstGeom>
+          <a:ln w="25400">
+            <a:headEnd type="triangle"/>
+            <a:tailEnd type="triangle"/>
+          </a:ln>
+        </p:spPr>
+        <p:style>
+          <a:lnRef idx="1">
+            <a:schemeClr val="dk1"/>
+          </a:lnRef>
+          <a:fillRef idx="0">
+            <a:schemeClr val="dk1"/>
+          </a:fillRef>
+          <a:effectRef idx="0">
+            <a:schemeClr val="dk1"/>
+          </a:effectRef>
+          <a:fontRef idx="minor">
+            <a:schemeClr val="tx1"/>
+          </a:fontRef>
+        </p:style>
+      </p:cxnSp>
+      <p:cxnSp>
+        <p:nvCxnSpPr>
+          <p:cNvPr id="34" name="Прямая со стрелкой 33">
+            <a:extLst>
+              <a:ext uri="{FF2B5EF4-FFF2-40B4-BE49-F238E27FC236}">
+                <a16:creationId xmlns:a16="http://schemas.microsoft.com/office/drawing/2014/main" id="{8778E87F-1EA0-E97E-3396-1DF2CBCEA976}"/>
+              </a:ext>
+            </a:extLst>
+          </p:cNvPr>
+          <p:cNvCxnSpPr>
+            <a:cxnSpLocks/>
+          </p:cNvCxnSpPr>
+          <p:nvPr/>
+        </p:nvCxnSpPr>
+        <p:spPr>
+          <a:xfrm>
+            <a:off x="2900026" y="5873996"/>
+            <a:ext cx="6373976" cy="0"/>
+          </a:xfrm>
+          <a:prstGeom prst="straightConnector1">
+            <a:avLst/>
+          </a:prstGeom>
+          <a:ln w="25400">
+            <a:headEnd type="triangle"/>
+            <a:tailEnd type="triangle"/>
+          </a:ln>
+        </p:spPr>
+        <p:style>
+          <a:lnRef idx="1">
+            <a:schemeClr val="dk1"/>
+          </a:lnRef>
+          <a:fillRef idx="0">
+            <a:schemeClr val="dk1"/>
+          </a:fillRef>
+          <a:effectRef idx="0">
+            <a:schemeClr val="dk1"/>
+          </a:effectRef>
+          <a:fontRef idx="minor">
+            <a:schemeClr val="tx1"/>
+          </a:fontRef>
+        </p:style>
+      </p:cxnSp>
+      <p:cxnSp>
+        <p:nvCxnSpPr>
+          <p:cNvPr id="37" name="Прямая со стрелкой 36">
+            <a:extLst>
+              <a:ext uri="{FF2B5EF4-FFF2-40B4-BE49-F238E27FC236}">
+                <a16:creationId xmlns:a16="http://schemas.microsoft.com/office/drawing/2014/main" id="{F42652D3-D1D8-63DC-85DC-03C94D0D68D5}"/>
+              </a:ext>
+            </a:extLst>
+          </p:cNvPr>
+          <p:cNvCxnSpPr>
+            <a:cxnSpLocks/>
+            <a:endCxn id="13" idx="2"/>
+          </p:cNvCxnSpPr>
+          <p:nvPr/>
+        </p:nvCxnSpPr>
+        <p:spPr>
+          <a:xfrm flipV="1">
+            <a:off x="9274002" y="5538263"/>
+            <a:ext cx="461" cy="335733"/>
+          </a:xfrm>
+          <a:prstGeom prst="straightConnector1">
+            <a:avLst/>
+          </a:prstGeom>
+          <a:ln w="25400">
+            <a:headEnd type="triangle"/>
+            <a:tailEnd type="triangle"/>
+          </a:ln>
+        </p:spPr>
+        <p:style>
+          <a:lnRef idx="1">
+            <a:schemeClr val="dk1"/>
+          </a:lnRef>
+          <a:fillRef idx="0">
+            <a:schemeClr val="dk1"/>
+          </a:fillRef>
+          <a:effectRef idx="0">
+            <a:schemeClr val="dk1"/>
+          </a:effectRef>
+          <a:fontRef idx="minor">
+            <a:schemeClr val="tx1"/>
+          </a:fontRef>
+        </p:style>
+      </p:cxnSp>
+      <p:cxnSp>
+        <p:nvCxnSpPr>
+          <p:cNvPr id="42" name="Прямая со стрелкой 41">
+            <a:extLst>
+              <a:ext uri="{FF2B5EF4-FFF2-40B4-BE49-F238E27FC236}">
+                <a16:creationId xmlns:a16="http://schemas.microsoft.com/office/drawing/2014/main" id="{7C9C3538-ED0A-9A54-FEE5-3B2350EFB61F}"/>
+              </a:ext>
+            </a:extLst>
+          </p:cNvPr>
+          <p:cNvCxnSpPr>
+            <a:cxnSpLocks/>
+            <a:stCxn id="12" idx="2"/>
+          </p:cNvCxnSpPr>
+          <p:nvPr/>
+        </p:nvCxnSpPr>
+        <p:spPr>
+          <a:xfrm>
+            <a:off x="7680854" y="4859232"/>
+            <a:ext cx="0" cy="1007200"/>
+          </a:xfrm>
+          <a:prstGeom prst="straightConnector1">
+            <a:avLst/>
+          </a:prstGeom>
+          <a:ln w="25400">
+            <a:headEnd type="triangle"/>
+            <a:tailEnd type="triangle"/>
+          </a:ln>
+        </p:spPr>
+        <p:style>
+          <a:lnRef idx="1">
+            <a:schemeClr val="dk1"/>
+          </a:lnRef>
+          <a:fillRef idx="0">
+            <a:schemeClr val="dk1"/>
+          </a:fillRef>
+          <a:effectRef idx="0">
+            <a:schemeClr val="dk1"/>
+          </a:effectRef>
+          <a:fontRef idx="minor">
+            <a:schemeClr val="tx1"/>
+          </a:fontRef>
+        </p:style>
+      </p:cxnSp>
+      <p:cxnSp>
+        <p:nvCxnSpPr>
+          <p:cNvPr id="45" name="Прямая со стрелкой 44">
+            <a:extLst>
+              <a:ext uri="{FF2B5EF4-FFF2-40B4-BE49-F238E27FC236}">
+                <a16:creationId xmlns:a16="http://schemas.microsoft.com/office/drawing/2014/main" id="{7678B48F-AE81-C0C9-4B92-8F6A7FCA5346}"/>
+              </a:ext>
+            </a:extLst>
+          </p:cNvPr>
+          <p:cNvCxnSpPr>
+            <a:cxnSpLocks/>
+            <a:endCxn id="11" idx="2"/>
+          </p:cNvCxnSpPr>
+          <p:nvPr/>
+        </p:nvCxnSpPr>
+        <p:spPr>
+          <a:xfrm flipH="1" flipV="1">
+            <a:off x="6087245" y="4187765"/>
+            <a:ext cx="8755" cy="1678667"/>
+          </a:xfrm>
+          <a:prstGeom prst="straightConnector1">
+            <a:avLst/>
+          </a:prstGeom>
+          <a:ln w="25400">
+            <a:headEnd type="triangle"/>
+            <a:tailEnd type="triangle"/>
+          </a:ln>
+        </p:spPr>
+        <p:style>
+          <a:lnRef idx="1">
+            <a:schemeClr val="dk1"/>
+          </a:lnRef>
+          <a:fillRef idx="0">
+            <a:schemeClr val="dk1"/>
+          </a:fillRef>
+          <a:effectRef idx="0">
+            <a:schemeClr val="dk1"/>
+          </a:effectRef>
+          <a:fontRef idx="minor">
+            <a:schemeClr val="tx1"/>
+          </a:fontRef>
+        </p:style>
+      </p:cxnSp>
+      <p:cxnSp>
+        <p:nvCxnSpPr>
+          <p:cNvPr id="48" name="Прямая со стрелкой 47">
+            <a:extLst>
+              <a:ext uri="{FF2B5EF4-FFF2-40B4-BE49-F238E27FC236}">
+                <a16:creationId xmlns:a16="http://schemas.microsoft.com/office/drawing/2014/main" id="{499ECE5E-14A4-8B08-FF51-46404542DF98}"/>
+              </a:ext>
+            </a:extLst>
+          </p:cNvPr>
+          <p:cNvCxnSpPr>
+            <a:cxnSpLocks/>
+            <a:endCxn id="10" idx="2"/>
+          </p:cNvCxnSpPr>
+          <p:nvPr/>
+        </p:nvCxnSpPr>
+        <p:spPr>
+          <a:xfrm flipV="1">
+            <a:off x="4493635" y="3508970"/>
+            <a:ext cx="1" cy="2365026"/>
+          </a:xfrm>
+          <a:prstGeom prst="straightConnector1">
+            <a:avLst/>
+          </a:prstGeom>
+          <a:ln w="25400">
+            <a:headEnd type="triangle"/>
+            <a:tailEnd type="triangle"/>
+          </a:ln>
+        </p:spPr>
+        <p:style>
+          <a:lnRef idx="1">
+            <a:schemeClr val="dk1"/>
+          </a:lnRef>
+          <a:fillRef idx="0">
+            <a:schemeClr val="dk1"/>
+          </a:fillRef>
+          <a:effectRef idx="0">
+            <a:schemeClr val="dk1"/>
+          </a:effectRef>
+          <a:fontRef idx="minor">
+            <a:schemeClr val="tx1"/>
+          </a:fontRef>
+        </p:style>
+      </p:cxnSp>
     </p:spTree>
     <p:extLst>
       <p:ext uri="{BB962C8B-B14F-4D97-AF65-F5344CB8AC3E}">

--- a/documents/presentation/Электроный Дневник Политеха.pptx
+++ b/documents/presentation/Электроный Дневник Политеха.pptx
@@ -5,21 +5,22 @@
     <p:sldMasterId id="2147483660" r:id="rId1"/>
   </p:sldMasterIdLst>
   <p:notesMasterIdLst>
-    <p:notesMasterId r:id="rId14"/>
+    <p:notesMasterId r:id="rId15"/>
   </p:notesMasterIdLst>
   <p:sldIdLst>
     <p:sldId id="256" r:id="rId2"/>
     <p:sldId id="257" r:id="rId3"/>
     <p:sldId id="258" r:id="rId4"/>
     <p:sldId id="259" r:id="rId5"/>
-    <p:sldId id="269" r:id="rId6"/>
-    <p:sldId id="260" r:id="rId7"/>
-    <p:sldId id="261" r:id="rId8"/>
-    <p:sldId id="265" r:id="rId9"/>
-    <p:sldId id="263" r:id="rId10"/>
-    <p:sldId id="267" r:id="rId11"/>
-    <p:sldId id="266" r:id="rId12"/>
-    <p:sldId id="268" r:id="rId13"/>
+    <p:sldId id="270" r:id="rId6"/>
+    <p:sldId id="269" r:id="rId7"/>
+    <p:sldId id="260" r:id="rId8"/>
+    <p:sldId id="261" r:id="rId9"/>
+    <p:sldId id="265" r:id="rId10"/>
+    <p:sldId id="263" r:id="rId11"/>
+    <p:sldId id="267" r:id="rId12"/>
+    <p:sldId id="266" r:id="rId13"/>
+    <p:sldId id="268" r:id="rId14"/>
   </p:sldIdLst>
   <p:sldSz cx="12192000" cy="6858000"/>
   <p:notesSz cx="6858000" cy="9144000"/>
@@ -6472,6 +6473,241 @@
         </p:nvSpPr>
         <p:spPr/>
         <p:txBody>
+          <a:bodyPr>
+            <a:normAutofit/>
+          </a:bodyPr>
+          <a:lstStyle/>
+          <a:p>
+            <a:r>
+              <a:rPr lang="ru-RU" sz="4000" dirty="0"/>
+              <a:t>Тестирование</a:t>
+            </a:r>
+            <a:br>
+              <a:rPr lang="ru-RU" sz="4000" dirty="0"/>
+            </a:br>
+            <a:r>
+              <a:rPr lang="en-US" sz="2800" dirty="0"/>
+              <a:t>Traceability matrix</a:t>
+            </a:r>
+            <a:endParaRPr lang="ru-RU" sz="4000" dirty="0"/>
+          </a:p>
+        </p:txBody>
+      </p:sp>
+      <p:sp>
+        <p:nvSpPr>
+          <p:cNvPr id="3" name="Объект 2">
+            <a:extLst>
+              <a:ext uri="{FF2B5EF4-FFF2-40B4-BE49-F238E27FC236}">
+                <a16:creationId xmlns:a16="http://schemas.microsoft.com/office/drawing/2014/main" id="{2BE5F975-5D4C-1C0D-1DA4-08BC77064B3C}"/>
+              </a:ext>
+            </a:extLst>
+          </p:cNvPr>
+          <p:cNvSpPr>
+            <a:spLocks noGrp="1"/>
+          </p:cNvSpPr>
+          <p:nvPr>
+            <p:ph idx="1"/>
+          </p:nvPr>
+        </p:nvSpPr>
+        <p:spPr/>
+        <p:txBody>
+          <a:bodyPr/>
+          <a:lstStyle/>
+          <a:p>
+            <a:pPr marL="0" indent="0">
+              <a:buNone/>
+            </a:pPr>
+            <a:r>
+              <a:rPr lang="ru-RU" dirty="0"/>
+              <a:t>Тестовое покрытие – 36%</a:t>
+            </a:r>
+          </a:p>
+        </p:txBody>
+      </p:sp>
+      <p:sp>
+        <p:nvSpPr>
+          <p:cNvPr id="5" name="TextBox 4">
+            <a:extLst>
+              <a:ext uri="{FF2B5EF4-FFF2-40B4-BE49-F238E27FC236}">
+                <a16:creationId xmlns:a16="http://schemas.microsoft.com/office/drawing/2014/main" id="{AA450BA9-CBE1-4A4C-990C-FC3DCE4F9C16}"/>
+              </a:ext>
+            </a:extLst>
+          </p:cNvPr>
+          <p:cNvSpPr txBox="1"/>
+          <p:nvPr/>
+        </p:nvSpPr>
+        <p:spPr>
+          <a:xfrm>
+            <a:off x="10929257" y="6273225"/>
+            <a:ext cx="1262743" cy="584775"/>
+          </a:xfrm>
+          <a:prstGeom prst="rect">
+            <a:avLst/>
+          </a:prstGeom>
+          <a:noFill/>
+        </p:spPr>
+        <p:txBody>
+          <a:bodyPr wrap="square" rtlCol="0">
+            <a:spAutoFit/>
+          </a:bodyPr>
+          <a:lstStyle/>
+          <a:p>
+            <a:r>
+              <a:rPr lang="ru-RU" sz="3200" dirty="0">
+                <a:solidFill>
+                  <a:schemeClr val="tx1">
+                    <a:lumMod val="75000"/>
+                    <a:lumOff val="25000"/>
+                  </a:schemeClr>
+                </a:solidFill>
+                <a:latin typeface="Trebuchet MS (Основной текст)"/>
+                <a:cs typeface="Times New Roman" panose="02020603050405020304" pitchFamily="18" charset="0"/>
+              </a:rPr>
+              <a:t>10</a:t>
+            </a:r>
+            <a:r>
+              <a:rPr lang="en-US" sz="3200" dirty="0">
+                <a:solidFill>
+                  <a:schemeClr val="tx1">
+                    <a:lumMod val="75000"/>
+                    <a:lumOff val="25000"/>
+                  </a:schemeClr>
+                </a:solidFill>
+                <a:latin typeface="Trebuchet MS (Основной текст)"/>
+                <a:cs typeface="Times New Roman" panose="02020603050405020304" pitchFamily="18" charset="0"/>
+              </a:rPr>
+              <a:t>/1</a:t>
+            </a:r>
+            <a:r>
+              <a:rPr lang="ru-RU" sz="3200" dirty="0">
+                <a:solidFill>
+                  <a:schemeClr val="tx1">
+                    <a:lumMod val="75000"/>
+                    <a:lumOff val="25000"/>
+                  </a:schemeClr>
+                </a:solidFill>
+                <a:latin typeface="Trebuchet MS (Основной текст)"/>
+                <a:cs typeface="Times New Roman" panose="02020603050405020304" pitchFamily="18" charset="0"/>
+              </a:rPr>
+              <a:t>3</a:t>
+            </a:r>
+          </a:p>
+        </p:txBody>
+      </p:sp>
+      <p:graphicFrame>
+        <p:nvGraphicFramePr>
+          <p:cNvPr id="9" name="Объект 8">
+            <a:extLst>
+              <a:ext uri="{FF2B5EF4-FFF2-40B4-BE49-F238E27FC236}">
+                <a16:creationId xmlns:a16="http://schemas.microsoft.com/office/drawing/2014/main" id="{D518B4D4-D91C-CC48-A080-FDD63FA82DBB}"/>
+              </a:ext>
+            </a:extLst>
+          </p:cNvPr>
+          <p:cNvGraphicFramePr>
+            <a:graphicFrameLocks noChangeAspect="1"/>
+          </p:cNvGraphicFramePr>
+          <p:nvPr>
+            <p:extLst>
+              <p:ext uri="{D42A27DB-BD31-4B8C-83A1-F6EECF244321}">
+                <p14:modId xmlns:p14="http://schemas.microsoft.com/office/powerpoint/2010/main" val="51924452"/>
+              </p:ext>
+            </p:extLst>
+          </p:nvPr>
+        </p:nvGraphicFramePr>
+        <p:xfrm>
+          <a:off x="374674" y="2815628"/>
+          <a:ext cx="11442651" cy="2111973"/>
+        </p:xfrm>
+        <a:graphic>
+          <a:graphicData uri="http://schemas.openxmlformats.org/presentationml/2006/ole">
+            <mc:AlternateContent xmlns:mc="http://schemas.openxmlformats.org/markup-compatibility/2006">
+              <mc:Choice xmlns:v="urn:schemas-microsoft-com:vml" Requires="v">
+                <p:oleObj name="Worksheet" r:id="rId2" imgW="18373773" imgH="3391036" progId="Excel.Sheet.12">
+                  <p:embed/>
+                </p:oleObj>
+              </mc:Choice>
+              <mc:Fallback>
+                <p:oleObj name="Worksheet" r:id="rId2" imgW="18373773" imgH="3391036" progId="Excel.Sheet.12">
+                  <p:embed/>
+                  <p:pic>
+                    <p:nvPicPr>
+                      <p:cNvPr id="0" name=""/>
+                      <p:cNvPicPr/>
+                      <p:nvPr/>
+                    </p:nvPicPr>
+                    <p:blipFill>
+                      <a:blip r:embed="rId3"/>
+                      <a:stretch>
+                        <a:fillRect/>
+                      </a:stretch>
+                    </p:blipFill>
+                    <p:spPr>
+                      <a:xfrm>
+                        <a:off x="374674" y="2815628"/>
+                        <a:ext cx="11442651" cy="2111973"/>
+                      </a:xfrm>
+                      <a:prstGeom prst="rect">
+                        <a:avLst/>
+                      </a:prstGeom>
+                    </p:spPr>
+                  </p:pic>
+                </p:oleObj>
+              </mc:Fallback>
+            </mc:AlternateContent>
+          </a:graphicData>
+        </a:graphic>
+      </p:graphicFrame>
+    </p:spTree>
+    <p:extLst>
+      <p:ext uri="{BB962C8B-B14F-4D97-AF65-F5344CB8AC3E}">
+        <p14:creationId xmlns:p14="http://schemas.microsoft.com/office/powerpoint/2010/main" val="3154533040"/>
+      </p:ext>
+    </p:extLst>
+  </p:cSld>
+  <p:clrMapOvr>
+    <a:masterClrMapping/>
+  </p:clrMapOvr>
+  <p:transition spd="slow">
+    <p:wipe/>
+  </p:transition>
+</p:sld>
+</file>
+
+<file path=ppt/slides/slide11.xml><?xml version="1.0" encoding="utf-8"?>
+<p:sld xmlns:a="http://schemas.openxmlformats.org/drawingml/2006/main" xmlns:r="http://schemas.openxmlformats.org/officeDocument/2006/relationships" xmlns:p="http://schemas.openxmlformats.org/presentationml/2006/main">
+  <p:cSld>
+    <p:spTree>
+      <p:nvGrpSpPr>
+        <p:cNvPr id="1" name=""/>
+        <p:cNvGrpSpPr/>
+        <p:nvPr/>
+      </p:nvGrpSpPr>
+      <p:grpSpPr>
+        <a:xfrm>
+          <a:off x="0" y="0"/>
+          <a:ext cx="0" cy="0"/>
+          <a:chOff x="0" y="0"/>
+          <a:chExt cx="0" cy="0"/>
+        </a:xfrm>
+      </p:grpSpPr>
+      <p:sp>
+        <p:nvSpPr>
+          <p:cNvPr id="2" name="Заголовок 1">
+            <a:extLst>
+              <a:ext uri="{FF2B5EF4-FFF2-40B4-BE49-F238E27FC236}">
+                <a16:creationId xmlns:a16="http://schemas.microsoft.com/office/drawing/2014/main" id="{4869403A-35A5-9D0E-62B8-EB35CBEB6A5B}"/>
+              </a:ext>
+            </a:extLst>
+          </p:cNvPr>
+          <p:cNvSpPr>
+            <a:spLocks noGrp="1"/>
+          </p:cNvSpPr>
+          <p:nvPr>
+            <p:ph type="title"/>
+          </p:nvPr>
+        </p:nvSpPr>
+        <p:spPr/>
+        <p:txBody>
           <a:bodyPr anchor="ctr">
             <a:normAutofit/>
           </a:bodyPr>
@@ -6616,7 +6852,7 @@
                 <a:latin typeface="Trebuchet MS (Основной текст)"/>
                 <a:cs typeface="Times New Roman" panose="02020603050405020304" pitchFamily="18" charset="0"/>
               </a:rPr>
-              <a:t>10</a:t>
+              <a:t>11</a:t>
             </a:r>
             <a:r>
               <a:rPr lang="en-US" sz="3200" dirty="0">
@@ -6642,7 +6878,7 @@
                 <a:latin typeface="Trebuchet MS (Основной текст)"/>
                 <a:cs typeface="Times New Roman" panose="02020603050405020304" pitchFamily="18" charset="0"/>
               </a:rPr>
-              <a:t>2</a:t>
+              <a:t>3</a:t>
             </a:r>
           </a:p>
         </p:txBody>
@@ -6663,7 +6899,7 @@
 </p:sld>
 </file>
 
-<file path=ppt/slides/slide11.xml><?xml version="1.0" encoding="utf-8"?>
+<file path=ppt/slides/slide12.xml><?xml version="1.0" encoding="utf-8"?>
 <p:sld xmlns:a="http://schemas.openxmlformats.org/drawingml/2006/main" xmlns:r="http://schemas.openxmlformats.org/officeDocument/2006/relationships" xmlns:p="http://schemas.openxmlformats.org/presentationml/2006/main">
   <p:cSld>
     <p:spTree>
@@ -6831,7 +7067,7 @@
                 <a:latin typeface="Trebuchet MS (Основной текст)"/>
                 <a:cs typeface="Times New Roman" panose="02020603050405020304" pitchFamily="18" charset="0"/>
               </a:rPr>
-              <a:t>1</a:t>
+              <a:t>2</a:t>
             </a:r>
             <a:r>
               <a:rPr lang="en-US" sz="3200" dirty="0">
@@ -6857,7 +7093,7 @@
                 <a:latin typeface="Trebuchet MS (Основной текст)"/>
                 <a:cs typeface="Times New Roman" panose="02020603050405020304" pitchFamily="18" charset="0"/>
               </a:rPr>
-              <a:t>2</a:t>
+              <a:t>3</a:t>
             </a:r>
           </a:p>
         </p:txBody>
@@ -6878,7 +7114,7 @@
 </p:sld>
 </file>
 
-<file path=ppt/slides/slide12.xml><?xml version="1.0" encoding="utf-8"?>
+<file path=ppt/slides/slide13.xml><?xml version="1.0" encoding="utf-8"?>
 <p:sld xmlns:a="http://schemas.openxmlformats.org/drawingml/2006/main" xmlns:r="http://schemas.openxmlformats.org/officeDocument/2006/relationships" xmlns:p="http://schemas.openxmlformats.org/presentationml/2006/main">
   <p:cSld>
     <p:spTree>
@@ -7092,7 +7328,7 @@
                 <a:latin typeface="Trebuchet MS (Основной текст)"/>
                 <a:cs typeface="Times New Roman" panose="02020603050405020304" pitchFamily="18" charset="0"/>
               </a:rPr>
-              <a:t>2</a:t>
+              <a:t>3</a:t>
             </a:r>
             <a:r>
               <a:rPr lang="en-US" sz="3200" dirty="0">
@@ -7118,7 +7354,7 @@
                 <a:latin typeface="Trebuchet MS (Основной текст)"/>
                 <a:cs typeface="Times New Roman" panose="02020603050405020304" pitchFamily="18" charset="0"/>
               </a:rPr>
-              <a:t>2</a:t>
+              <a:t>3</a:t>
             </a:r>
           </a:p>
         </p:txBody>
@@ -7331,7 +7567,7 @@
                 <a:latin typeface="Trebuchet MS (Основной текст)"/>
                 <a:cs typeface="Times New Roman" panose="02020603050405020304" pitchFamily="18" charset="0"/>
               </a:rPr>
-              <a:t>2</a:t>
+              <a:t>3</a:t>
             </a:r>
           </a:p>
         </p:txBody>
@@ -7473,7 +7709,7 @@
                 <a:latin typeface="Trebuchet MS (Основной текст)"/>
                 <a:cs typeface="Times New Roman" panose="02020603050405020304" pitchFamily="18" charset="0"/>
               </a:rPr>
-              <a:t>2</a:t>
+              <a:t>3</a:t>
             </a:r>
           </a:p>
         </p:txBody>
@@ -8829,7 +9065,7 @@
                 <a:latin typeface="Trebuchet MS (Основной текст)"/>
                 <a:cs typeface="Times New Roman" panose="02020603050405020304" pitchFamily="18" charset="0"/>
               </a:rPr>
-              <a:t>2</a:t>
+              <a:t>3</a:t>
             </a:r>
           </a:p>
         </p:txBody>
@@ -8851,6 +9087,268 @@
 </file>
 
 <file path=ppt/slides/slide5.xml><?xml version="1.0" encoding="utf-8"?>
+<p:sld xmlns:a="http://schemas.openxmlformats.org/drawingml/2006/main" xmlns:r="http://schemas.openxmlformats.org/officeDocument/2006/relationships" xmlns:p="http://schemas.openxmlformats.org/presentationml/2006/main">
+  <p:cSld>
+    <p:spTree>
+      <p:nvGrpSpPr>
+        <p:cNvPr id="1" name=""/>
+        <p:cNvGrpSpPr/>
+        <p:nvPr/>
+      </p:nvGrpSpPr>
+      <p:grpSpPr>
+        <a:xfrm>
+          <a:off x="0" y="0"/>
+          <a:ext cx="0" cy="0"/>
+          <a:chOff x="0" y="0"/>
+          <a:chExt cx="0" cy="0"/>
+        </a:xfrm>
+      </p:grpSpPr>
+      <p:sp>
+        <p:nvSpPr>
+          <p:cNvPr id="2" name="Заголовок 1">
+            <a:extLst>
+              <a:ext uri="{FF2B5EF4-FFF2-40B4-BE49-F238E27FC236}">
+                <a16:creationId xmlns:a16="http://schemas.microsoft.com/office/drawing/2014/main" id="{4869403A-35A5-9D0E-62B8-EB35CBEB6A5B}"/>
+              </a:ext>
+            </a:extLst>
+          </p:cNvPr>
+          <p:cNvSpPr>
+            <a:spLocks noGrp="1"/>
+          </p:cNvSpPr>
+          <p:nvPr>
+            <p:ph type="title"/>
+          </p:nvPr>
+        </p:nvSpPr>
+        <p:spPr/>
+        <p:txBody>
+          <a:bodyPr anchor="t">
+            <a:normAutofit/>
+          </a:bodyPr>
+          <a:lstStyle/>
+          <a:p>
+            <a:r>
+              <a:rPr lang="ru-RU" sz="4000" dirty="0"/>
+              <a:t>Графический Интерфейс</a:t>
+            </a:r>
+          </a:p>
+        </p:txBody>
+      </p:sp>
+      <p:sp>
+        <p:nvSpPr>
+          <p:cNvPr id="6" name="Rectangle 4">
+            <a:extLst>
+              <a:ext uri="{FF2B5EF4-FFF2-40B4-BE49-F238E27FC236}">
+                <a16:creationId xmlns:a16="http://schemas.microsoft.com/office/drawing/2014/main" id="{ECC52D96-94FC-A7B6-C502-055B15EDD909}"/>
+              </a:ext>
+            </a:extLst>
+          </p:cNvPr>
+          <p:cNvSpPr>
+            <a:spLocks noChangeArrowheads="1"/>
+          </p:cNvSpPr>
+          <p:nvPr/>
+        </p:nvSpPr>
+        <p:spPr bwMode="auto">
+          <a:xfrm>
+            <a:off x="0" y="0"/>
+            <a:ext cx="12192000" cy="0"/>
+          </a:xfrm>
+          <a:prstGeom prst="rect">
+            <a:avLst/>
+          </a:prstGeom>
+          <a:noFill/>
+          <a:ln>
+            <a:noFill/>
+          </a:ln>
+          <a:effectLst/>
+          <a:extLst>
+            <a:ext uri="{909E8E84-426E-40DD-AFC4-6F175D3DCCD1}">
+              <a14:hiddenFill xmlns:a14="http://schemas.microsoft.com/office/drawing/2010/main">
+                <a:solidFill>
+                  <a:schemeClr val="accent1"/>
+                </a:solidFill>
+              </a14:hiddenFill>
+            </a:ext>
+            <a:ext uri="{91240B29-F687-4F45-9708-019B960494DF}">
+              <a14:hiddenLine xmlns:a14="http://schemas.microsoft.com/office/drawing/2010/main" w="9525">
+                <a:solidFill>
+                  <a:schemeClr val="tx1"/>
+                </a:solidFill>
+                <a:miter lim="800000"/>
+                <a:headEnd/>
+                <a:tailEnd/>
+              </a14:hiddenLine>
+            </a:ext>
+            <a:ext uri="{AF507438-7753-43E0-B8FC-AC1667EBCBE1}">
+              <a14:hiddenEffects xmlns:a14="http://schemas.microsoft.com/office/drawing/2010/main">
+                <a:effectLst>
+                  <a:outerShdw dist="35921" dir="2700000" algn="ctr" rotWithShape="0">
+                    <a:schemeClr val="bg2"/>
+                  </a:outerShdw>
+                </a:effectLst>
+              </a14:hiddenEffects>
+            </a:ext>
+          </a:extLst>
+        </p:spPr>
+        <p:txBody>
+          <a:bodyPr vert="horz" wrap="none" lIns="91440" tIns="45720" rIns="91440" bIns="45720" numCol="1" anchor="ctr" anchorCtr="0" compatLnSpc="1">
+            <a:prstTxWarp prst="textNoShape">
+              <a:avLst/>
+            </a:prstTxWarp>
+            <a:spAutoFit/>
+          </a:bodyPr>
+          <a:lstStyle/>
+          <a:p>
+            <a:endParaRPr lang="ru-RU"/>
+          </a:p>
+        </p:txBody>
+      </p:sp>
+      <p:sp>
+        <p:nvSpPr>
+          <p:cNvPr id="8" name="TextBox 7">
+            <a:extLst>
+              <a:ext uri="{FF2B5EF4-FFF2-40B4-BE49-F238E27FC236}">
+                <a16:creationId xmlns:a16="http://schemas.microsoft.com/office/drawing/2014/main" id="{ED898A66-D2C3-4905-B265-EDF1465BD944}"/>
+              </a:ext>
+            </a:extLst>
+          </p:cNvPr>
+          <p:cNvSpPr txBox="1"/>
+          <p:nvPr/>
+        </p:nvSpPr>
+        <p:spPr>
+          <a:xfrm>
+            <a:off x="11144816" y="6273225"/>
+            <a:ext cx="1047184" cy="584775"/>
+          </a:xfrm>
+          <a:prstGeom prst="rect">
+            <a:avLst/>
+          </a:prstGeom>
+          <a:noFill/>
+        </p:spPr>
+        <p:txBody>
+          <a:bodyPr wrap="square" rtlCol="0">
+            <a:spAutoFit/>
+          </a:bodyPr>
+          <a:lstStyle/>
+          <a:p>
+            <a:r>
+              <a:rPr lang="ru-RU" sz="3200" dirty="0">
+                <a:solidFill>
+                  <a:schemeClr val="tx1">
+                    <a:lumMod val="75000"/>
+                    <a:lumOff val="25000"/>
+                  </a:schemeClr>
+                </a:solidFill>
+                <a:latin typeface="Trebuchet MS (Основной текст)"/>
+                <a:cs typeface="Times New Roman" panose="02020603050405020304" pitchFamily="18" charset="0"/>
+              </a:rPr>
+              <a:t>5</a:t>
+            </a:r>
+            <a:r>
+              <a:rPr lang="en-US" sz="3200" dirty="0">
+                <a:solidFill>
+                  <a:schemeClr val="tx1">
+                    <a:lumMod val="75000"/>
+                    <a:lumOff val="25000"/>
+                  </a:schemeClr>
+                </a:solidFill>
+                <a:latin typeface="Trebuchet MS (Основной текст)"/>
+                <a:cs typeface="Times New Roman" panose="02020603050405020304" pitchFamily="18" charset="0"/>
+              </a:rPr>
+              <a:t>/1</a:t>
+            </a:r>
+            <a:r>
+              <a:rPr lang="ru-RU" sz="3200" dirty="0">
+                <a:solidFill>
+                  <a:schemeClr val="tx1">
+                    <a:lumMod val="75000"/>
+                    <a:lumOff val="25000"/>
+                  </a:schemeClr>
+                </a:solidFill>
+                <a:latin typeface="Trebuchet MS (Основной текст)"/>
+                <a:cs typeface="Times New Roman" panose="02020603050405020304" pitchFamily="18" charset="0"/>
+              </a:rPr>
+              <a:t>3</a:t>
+            </a:r>
+          </a:p>
+        </p:txBody>
+      </p:sp>
+      <p:pic>
+        <p:nvPicPr>
+          <p:cNvPr id="4" name="Рисунок 3">
+            <a:extLst>
+              <a:ext uri="{FF2B5EF4-FFF2-40B4-BE49-F238E27FC236}">
+                <a16:creationId xmlns:a16="http://schemas.microsoft.com/office/drawing/2014/main" id="{CDFC8DA2-80F0-CF45-DC29-CAEC9B42A590}"/>
+              </a:ext>
+            </a:extLst>
+          </p:cNvPr>
+          <p:cNvPicPr>
+            <a:picLocks noChangeAspect="1"/>
+          </p:cNvPicPr>
+          <p:nvPr/>
+        </p:nvPicPr>
+        <p:blipFill>
+          <a:blip r:embed="rId2"/>
+          <a:stretch>
+            <a:fillRect/>
+          </a:stretch>
+        </p:blipFill>
+        <p:spPr>
+          <a:xfrm>
+            <a:off x="295932" y="1814292"/>
+            <a:ext cx="5469775" cy="4458934"/>
+          </a:xfrm>
+          <a:prstGeom prst="rect">
+            <a:avLst/>
+          </a:prstGeom>
+        </p:spPr>
+      </p:pic>
+      <p:pic>
+        <p:nvPicPr>
+          <p:cNvPr id="5" name="Рисунок 4" descr="Изображение выглядит как текст, снимок экрана, число, Шрифт&#10;&#10;Автоматически созданное описание">
+            <a:extLst>
+              <a:ext uri="{FF2B5EF4-FFF2-40B4-BE49-F238E27FC236}">
+                <a16:creationId xmlns:a16="http://schemas.microsoft.com/office/drawing/2014/main" id="{CE730BF9-F296-BE8B-1E34-B645C299976B}"/>
+              </a:ext>
+            </a:extLst>
+          </p:cNvPr>
+          <p:cNvPicPr>
+            <a:picLocks noChangeAspect="1"/>
+          </p:cNvPicPr>
+          <p:nvPr/>
+        </p:nvPicPr>
+        <p:blipFill>
+          <a:blip r:embed="rId3"/>
+          <a:stretch>
+            <a:fillRect/>
+          </a:stretch>
+        </p:blipFill>
+        <p:spPr>
+          <a:xfrm>
+            <a:off x="6426293" y="1930401"/>
+            <a:ext cx="5424599" cy="4403464"/>
+          </a:xfrm>
+          <a:prstGeom prst="rect">
+            <a:avLst/>
+          </a:prstGeom>
+        </p:spPr>
+      </p:pic>
+    </p:spTree>
+    <p:extLst>
+      <p:ext uri="{BB962C8B-B14F-4D97-AF65-F5344CB8AC3E}">
+        <p14:creationId xmlns:p14="http://schemas.microsoft.com/office/powerpoint/2010/main" val="1324086178"/>
+      </p:ext>
+    </p:extLst>
+  </p:cSld>
+  <p:clrMapOvr>
+    <a:masterClrMapping/>
+  </p:clrMapOvr>
+  <p:transition spd="slow">
+    <p:wipe/>
+  </p:transition>
+</p:sld>
+</file>
+
+<file path=ppt/slides/slide6.xml><?xml version="1.0" encoding="utf-8"?>
 <p:sld xmlns:a="http://schemas.openxmlformats.org/drawingml/2006/main" xmlns:r="http://schemas.openxmlformats.org/officeDocument/2006/relationships" xmlns:p="http://schemas.openxmlformats.org/presentationml/2006/main">
   <p:cSld>
     <p:spTree>
@@ -9124,7 +9622,7 @@
                 <a:latin typeface="Trebuchet MS (Основной текст)"/>
                 <a:cs typeface="Times New Roman" panose="02020603050405020304" pitchFamily="18" charset="0"/>
               </a:rPr>
-              <a:t>5</a:t>
+              <a:t>6</a:t>
             </a:r>
             <a:r>
               <a:rPr lang="en-US" sz="3200" dirty="0">
@@ -9150,7 +9648,7 @@
                 <a:latin typeface="Trebuchet MS (Основной текст)"/>
                 <a:cs typeface="Times New Roman" panose="02020603050405020304" pitchFamily="18" charset="0"/>
               </a:rPr>
-              <a:t>2</a:t>
+              <a:t>3</a:t>
             </a:r>
           </a:p>
         </p:txBody>
@@ -9159,505 +9657,6 @@
     <p:extLst>
       <p:ext uri="{BB962C8B-B14F-4D97-AF65-F5344CB8AC3E}">
         <p14:creationId xmlns:p14="http://schemas.microsoft.com/office/powerpoint/2010/main" val="156993373"/>
-      </p:ext>
-    </p:extLst>
-  </p:cSld>
-  <p:clrMapOvr>
-    <a:masterClrMapping/>
-  </p:clrMapOvr>
-  <p:transition spd="slow">
-    <p:wipe/>
-  </p:transition>
-</p:sld>
-</file>
-
-<file path=ppt/slides/slide6.xml><?xml version="1.0" encoding="utf-8"?>
-<p:sld xmlns:a="http://schemas.openxmlformats.org/drawingml/2006/main" xmlns:r="http://schemas.openxmlformats.org/officeDocument/2006/relationships" xmlns:p="http://schemas.openxmlformats.org/presentationml/2006/main">
-  <p:cSld>
-    <p:spTree>
-      <p:nvGrpSpPr>
-        <p:cNvPr id="1" name=""/>
-        <p:cNvGrpSpPr/>
-        <p:nvPr/>
-      </p:nvGrpSpPr>
-      <p:grpSpPr>
-        <a:xfrm>
-          <a:off x="0" y="0"/>
-          <a:ext cx="0" cy="0"/>
-          <a:chOff x="0" y="0"/>
-          <a:chExt cx="0" cy="0"/>
-        </a:xfrm>
-      </p:grpSpPr>
-      <p:sp>
-        <p:nvSpPr>
-          <p:cNvPr id="2" name="Заголовок 1">
-            <a:extLst>
-              <a:ext uri="{FF2B5EF4-FFF2-40B4-BE49-F238E27FC236}">
-                <a16:creationId xmlns:a16="http://schemas.microsoft.com/office/drawing/2014/main" id="{4869403A-35A5-9D0E-62B8-EB35CBEB6A5B}"/>
-              </a:ext>
-            </a:extLst>
-          </p:cNvPr>
-          <p:cNvSpPr>
-            <a:spLocks noGrp="1"/>
-          </p:cNvSpPr>
-          <p:nvPr>
-            <p:ph type="title"/>
-          </p:nvPr>
-        </p:nvSpPr>
-        <p:spPr>
-          <a:xfrm>
-            <a:off x="197500" y="528119"/>
-            <a:ext cx="8596668" cy="1320800"/>
-          </a:xfrm>
-        </p:spPr>
-        <p:txBody>
-          <a:bodyPr anchor="t">
-            <a:normAutofit/>
-          </a:bodyPr>
-          <a:lstStyle/>
-          <a:p>
-            <a:r>
-              <a:rPr lang="ru-RU" sz="4000" dirty="0"/>
-              <a:t>Функционал</a:t>
-            </a:r>
-          </a:p>
-        </p:txBody>
-      </p:sp>
-      <p:sp>
-        <p:nvSpPr>
-          <p:cNvPr id="3" name="Объект 2">
-            <a:extLst>
-              <a:ext uri="{FF2B5EF4-FFF2-40B4-BE49-F238E27FC236}">
-                <a16:creationId xmlns:a16="http://schemas.microsoft.com/office/drawing/2014/main" id="{2BE5F975-5D4C-1C0D-1DA4-08BC77064B3C}"/>
-              </a:ext>
-            </a:extLst>
-          </p:cNvPr>
-          <p:cNvSpPr>
-            <a:spLocks noGrp="1"/>
-          </p:cNvSpPr>
-          <p:nvPr>
-            <p:ph idx="1"/>
-          </p:nvPr>
-        </p:nvSpPr>
-        <p:spPr>
-          <a:xfrm>
-            <a:off x="266910" y="1554007"/>
-            <a:ext cx="11925090" cy="3880773"/>
-          </a:xfrm>
-        </p:spPr>
-        <p:txBody>
-          <a:bodyPr numCol="3">
-            <a:noAutofit/>
-          </a:bodyPr>
-          <a:lstStyle/>
-          <a:p>
-            <a:pPr marL="342900" lvl="0" indent="-342900">
-              <a:lnSpc>
-                <a:spcPct val="150000"/>
-              </a:lnSpc>
-              <a:buFont typeface="+mj-lt"/>
-              <a:buAutoNum type="arabicPeriod"/>
-            </a:pPr>
-            <a:r>
-              <a:rPr lang="ru-RU" dirty="0">
-                <a:latin typeface="Trebuchet MS (Основной текст)"/>
-                <a:ea typeface="SimSun" panose="02010600030101010101" pitchFamily="2" charset="-122"/>
-              </a:rPr>
-              <a:t>Ввод логина</a:t>
-            </a:r>
-          </a:p>
-          <a:p>
-            <a:pPr marL="342900" lvl="0" indent="-342900">
-              <a:lnSpc>
-                <a:spcPct val="150000"/>
-              </a:lnSpc>
-              <a:buFont typeface="+mj-lt"/>
-              <a:buAutoNum type="arabicPeriod"/>
-            </a:pPr>
-            <a:r>
-              <a:rPr lang="ru-RU" dirty="0">
-                <a:latin typeface="Trebuchet MS (Основной текст)"/>
-                <a:ea typeface="SimSun" panose="02010600030101010101" pitchFamily="2" charset="-122"/>
-              </a:rPr>
-              <a:t>Ввод пароля</a:t>
-            </a:r>
-          </a:p>
-          <a:p>
-            <a:pPr marL="342900" lvl="0" indent="-342900">
-              <a:lnSpc>
-                <a:spcPct val="150000"/>
-              </a:lnSpc>
-              <a:buFont typeface="+mj-lt"/>
-              <a:buAutoNum type="arabicPeriod"/>
-            </a:pPr>
-            <a:r>
-              <a:rPr lang="ru-RU" dirty="0">
-                <a:latin typeface="Trebuchet MS (Основной текст)"/>
-                <a:ea typeface="SimSun" panose="02010600030101010101" pitchFamily="2" charset="-122"/>
-              </a:rPr>
-              <a:t>Просмотр преподавателей</a:t>
-            </a:r>
-          </a:p>
-          <a:p>
-            <a:pPr marL="342900" lvl="0" indent="-342900">
-              <a:lnSpc>
-                <a:spcPct val="150000"/>
-              </a:lnSpc>
-              <a:buFont typeface="+mj-lt"/>
-              <a:buAutoNum type="arabicPeriod"/>
-            </a:pPr>
-            <a:r>
-              <a:rPr lang="ru-RU" dirty="0">
-                <a:latin typeface="Trebuchet MS (Основной текст)"/>
-                <a:ea typeface="SimSun" panose="02010600030101010101" pitchFamily="2" charset="-122"/>
-              </a:rPr>
-              <a:t>Просмотр оценок за семестр</a:t>
-            </a:r>
-          </a:p>
-          <a:p>
-            <a:pPr marL="342900" lvl="0" indent="-342900">
-              <a:lnSpc>
-                <a:spcPct val="150000"/>
-              </a:lnSpc>
-              <a:buFont typeface="+mj-lt"/>
-              <a:buAutoNum type="arabicPeriod"/>
-            </a:pPr>
-            <a:r>
-              <a:rPr lang="ru-RU" dirty="0">
-                <a:latin typeface="Trebuchet MS (Основной текст)"/>
-                <a:ea typeface="SimSun" panose="02010600030101010101" pitchFamily="2" charset="-122"/>
-              </a:rPr>
-              <a:t>Просмотр оценок за прошлый семестр</a:t>
-            </a:r>
-          </a:p>
-          <a:p>
-            <a:pPr marL="342900" lvl="0" indent="-342900">
-              <a:lnSpc>
-                <a:spcPct val="150000"/>
-              </a:lnSpc>
-              <a:buFont typeface="+mj-lt"/>
-              <a:buAutoNum type="arabicPeriod"/>
-            </a:pPr>
-            <a:r>
-              <a:rPr lang="ru-RU" dirty="0">
-                <a:latin typeface="Trebuchet MS (Основной текст)"/>
-                <a:ea typeface="SimSun" panose="02010600030101010101" pitchFamily="2" charset="-122"/>
-              </a:rPr>
-              <a:t>Просмотр расписания</a:t>
-            </a:r>
-          </a:p>
-          <a:p>
-            <a:pPr marL="342900" lvl="0" indent="-342900">
-              <a:lnSpc>
-                <a:spcPct val="150000"/>
-              </a:lnSpc>
-              <a:buFont typeface="+mj-lt"/>
-              <a:buAutoNum type="arabicPeriod"/>
-            </a:pPr>
-            <a:r>
-              <a:rPr lang="ru-RU" dirty="0">
-                <a:latin typeface="Trebuchet MS (Основной текст)"/>
-                <a:ea typeface="SimSun" panose="02010600030101010101" pitchFamily="2" charset="-122"/>
-              </a:rPr>
-              <a:t>Возможность просматривать домашние задания</a:t>
-            </a:r>
-          </a:p>
-          <a:p>
-            <a:pPr marL="342900" lvl="0" indent="-342900">
-              <a:lnSpc>
-                <a:spcPct val="150000"/>
-              </a:lnSpc>
-              <a:buFont typeface="+mj-lt"/>
-              <a:buAutoNum type="arabicPeriod"/>
-            </a:pPr>
-            <a:r>
-              <a:rPr lang="ru-RU" dirty="0">
-                <a:latin typeface="Trebuchet MS (Основной текст)"/>
-                <a:ea typeface="SimSun" panose="02010600030101010101" pitchFamily="2" charset="-122"/>
-              </a:rPr>
-              <a:t>Просмотр личных данных</a:t>
-            </a:r>
-          </a:p>
-          <a:p>
-            <a:pPr marL="342900" lvl="0" indent="-342900">
-              <a:lnSpc>
-                <a:spcPct val="150000"/>
-              </a:lnSpc>
-              <a:buFont typeface="+mj-lt"/>
-              <a:buAutoNum type="arabicPeriod"/>
-            </a:pPr>
-            <a:r>
-              <a:rPr lang="ru-RU" dirty="0">
-                <a:latin typeface="Trebuchet MS (Основной текст)"/>
-                <a:ea typeface="SimSun" panose="02010600030101010101" pitchFamily="2" charset="-122"/>
-              </a:rPr>
-              <a:t>Изменение личных данных</a:t>
-            </a:r>
-          </a:p>
-          <a:p>
-            <a:pPr marL="342900" lvl="0" indent="-342900">
-              <a:lnSpc>
-                <a:spcPct val="150000"/>
-              </a:lnSpc>
-              <a:buFont typeface="+mj-lt"/>
-              <a:buAutoNum type="arabicPeriod"/>
-            </a:pPr>
-            <a:r>
-              <a:rPr lang="ru-RU" dirty="0">
-                <a:latin typeface="Trebuchet MS (Основной текст)"/>
-                <a:ea typeface="SimSun" panose="02010600030101010101" pitchFamily="2" charset="-122"/>
-              </a:rPr>
-              <a:t>Просмотр новостей Политеха</a:t>
-            </a:r>
-          </a:p>
-          <a:p>
-            <a:pPr marL="342900" lvl="0" indent="-342900">
-              <a:lnSpc>
-                <a:spcPct val="150000"/>
-              </a:lnSpc>
-              <a:buFont typeface="+mj-lt"/>
-              <a:buAutoNum type="arabicPeriod"/>
-            </a:pPr>
-            <a:r>
-              <a:rPr lang="ru-RU" dirty="0">
-                <a:latin typeface="Trebuchet MS (Основной текст)"/>
-                <a:ea typeface="SimSun" panose="02010600030101010101" pitchFamily="2" charset="-122"/>
-              </a:rPr>
-              <a:t>Возможность выставления отметок</a:t>
-            </a:r>
-          </a:p>
-          <a:p>
-            <a:pPr marL="342900" lvl="0" indent="-342900">
-              <a:lnSpc>
-                <a:spcPct val="150000"/>
-              </a:lnSpc>
-              <a:buFont typeface="+mj-lt"/>
-              <a:buAutoNum type="arabicPeriod"/>
-            </a:pPr>
-            <a:r>
-              <a:rPr lang="ru-RU" dirty="0">
-                <a:latin typeface="Trebuchet MS (Основной текст)"/>
-                <a:ea typeface="SimSun" panose="02010600030101010101" pitchFamily="2" charset="-122"/>
-              </a:rPr>
-              <a:t>Возможность изменения отметок</a:t>
-            </a:r>
-          </a:p>
-          <a:p>
-            <a:pPr marL="342900" lvl="0" indent="-342900">
-              <a:lnSpc>
-                <a:spcPct val="150000"/>
-              </a:lnSpc>
-              <a:buFont typeface="+mj-lt"/>
-              <a:buAutoNum type="arabicPeriod"/>
-            </a:pPr>
-            <a:r>
-              <a:rPr lang="ru-RU" dirty="0">
-                <a:latin typeface="Trebuchet MS (Основной текст)"/>
-                <a:ea typeface="SimSun" panose="02010600030101010101" pitchFamily="2" charset="-122"/>
-              </a:rPr>
-              <a:t>Возможность задавать домашнее задание</a:t>
-            </a:r>
-          </a:p>
-          <a:p>
-            <a:pPr marL="342900" lvl="0" indent="-342900">
-              <a:lnSpc>
-                <a:spcPct val="150000"/>
-              </a:lnSpc>
-              <a:buFont typeface="+mj-lt"/>
-              <a:buAutoNum type="arabicPeriod"/>
-            </a:pPr>
-            <a:r>
-              <a:rPr lang="ru-RU" dirty="0">
-                <a:latin typeface="Trebuchet MS (Основной текст)"/>
-                <a:ea typeface="SimSun" panose="02010600030101010101" pitchFamily="2" charset="-122"/>
-              </a:rPr>
-              <a:t>Установка расписания</a:t>
-            </a:r>
-          </a:p>
-          <a:p>
-            <a:pPr marL="342900" lvl="0" indent="-342900">
-              <a:lnSpc>
-                <a:spcPct val="150000"/>
-              </a:lnSpc>
-              <a:buFont typeface="+mj-lt"/>
-              <a:buAutoNum type="arabicPeriod"/>
-            </a:pPr>
-            <a:r>
-              <a:rPr lang="ru-RU" dirty="0">
-                <a:latin typeface="Trebuchet MS (Основной текст)"/>
-                <a:ea typeface="SimSun" panose="02010600030101010101" pitchFamily="2" charset="-122"/>
-              </a:rPr>
-              <a:t>Изменение расписания</a:t>
-            </a:r>
-          </a:p>
-          <a:p>
-            <a:pPr marL="342900" lvl="0" indent="-342900">
-              <a:lnSpc>
-                <a:spcPct val="150000"/>
-              </a:lnSpc>
-              <a:buFont typeface="+mj-lt"/>
-              <a:buAutoNum type="arabicPeriod"/>
-            </a:pPr>
-            <a:r>
-              <a:rPr lang="ru-RU" dirty="0">
-                <a:latin typeface="Trebuchet MS (Основной текст)"/>
-                <a:ea typeface="SimSun" panose="02010600030101010101" pitchFamily="2" charset="-122"/>
-              </a:rPr>
-              <a:t>Удаление</a:t>
-            </a:r>
-            <a:r>
-              <a:rPr lang="en-US" dirty="0">
-                <a:latin typeface="Trebuchet MS (Основной текст)"/>
-                <a:ea typeface="SimSun" panose="02010600030101010101" pitchFamily="2" charset="-122"/>
-              </a:rPr>
-              <a:t>/</a:t>
-            </a:r>
-            <a:r>
-              <a:rPr lang="ru-RU" dirty="0">
-                <a:latin typeface="Trebuchet MS (Основной текст)"/>
-                <a:ea typeface="SimSun" panose="02010600030101010101" pitchFamily="2" charset="-122"/>
-              </a:rPr>
-              <a:t>Добавление преподавателей</a:t>
-            </a:r>
-          </a:p>
-          <a:p>
-            <a:pPr marL="342900" lvl="0" indent="-342900">
-              <a:lnSpc>
-                <a:spcPct val="150000"/>
-              </a:lnSpc>
-              <a:buFont typeface="+mj-lt"/>
-              <a:buAutoNum type="arabicPeriod"/>
-            </a:pPr>
-            <a:r>
-              <a:rPr lang="ru-RU" dirty="0">
-                <a:latin typeface="Trebuchet MS (Основной текст)"/>
-                <a:ea typeface="SimSun" panose="02010600030101010101" pitchFamily="2" charset="-122"/>
-              </a:rPr>
-              <a:t>Удаление</a:t>
-            </a:r>
-            <a:r>
-              <a:rPr lang="en-US" dirty="0">
-                <a:latin typeface="Trebuchet MS (Основной текст)"/>
-                <a:ea typeface="SimSun" panose="02010600030101010101" pitchFamily="2" charset="-122"/>
-              </a:rPr>
-              <a:t>/</a:t>
-            </a:r>
-            <a:r>
-              <a:rPr lang="ru-RU" dirty="0">
-                <a:latin typeface="Trebuchet MS (Основной текст)"/>
-                <a:ea typeface="SimSun" panose="02010600030101010101" pitchFamily="2" charset="-122"/>
-              </a:rPr>
-              <a:t>Добавление учеников</a:t>
-            </a:r>
-          </a:p>
-          <a:p>
-            <a:pPr marL="342900" lvl="0" indent="-342900">
-              <a:lnSpc>
-                <a:spcPct val="150000"/>
-              </a:lnSpc>
-              <a:buFont typeface="+mj-lt"/>
-              <a:buAutoNum type="arabicPeriod"/>
-            </a:pPr>
-            <a:r>
-              <a:rPr lang="ru-RU" dirty="0">
-                <a:latin typeface="Trebuchet MS (Основной текст)"/>
-                <a:ea typeface="SimSun" panose="02010600030101010101" pitchFamily="2" charset="-122"/>
-              </a:rPr>
-              <a:t>Мониторинг работы сайта и серверов</a:t>
-            </a:r>
-          </a:p>
-          <a:p>
-            <a:pPr marL="342900" lvl="0" indent="-342900">
-              <a:lnSpc>
-                <a:spcPct val="150000"/>
-              </a:lnSpc>
-              <a:buFont typeface="+mj-lt"/>
-              <a:buAutoNum type="arabicPeriod"/>
-            </a:pPr>
-            <a:r>
-              <a:rPr lang="ru-RU" dirty="0">
-                <a:latin typeface="Trebuchet MS (Основной текст)"/>
-                <a:ea typeface="SimSun" panose="02010600030101010101" pitchFamily="2" charset="-122"/>
-              </a:rPr>
-              <a:t>Возможность изменять технический код</a:t>
-            </a:r>
-          </a:p>
-        </p:txBody>
-      </p:sp>
-      <p:sp>
-        <p:nvSpPr>
-          <p:cNvPr id="4" name="TextBox 3">
-            <a:extLst>
-              <a:ext uri="{FF2B5EF4-FFF2-40B4-BE49-F238E27FC236}">
-                <a16:creationId xmlns:a16="http://schemas.microsoft.com/office/drawing/2014/main" id="{B72415D9-B788-441D-ABC6-996179DAE7E0}"/>
-              </a:ext>
-            </a:extLst>
-          </p:cNvPr>
-          <p:cNvSpPr txBox="1"/>
-          <p:nvPr/>
-        </p:nvSpPr>
-        <p:spPr>
-          <a:xfrm>
-            <a:off x="11096625" y="6273225"/>
-            <a:ext cx="1095375" cy="584775"/>
-          </a:xfrm>
-          <a:prstGeom prst="rect">
-            <a:avLst/>
-          </a:prstGeom>
-          <a:noFill/>
-        </p:spPr>
-        <p:txBody>
-          <a:bodyPr wrap="square" rtlCol="0">
-            <a:spAutoFit/>
-          </a:bodyPr>
-          <a:lstStyle/>
-          <a:p>
-            <a:r>
-              <a:rPr lang="ru-RU" sz="3200" dirty="0">
-                <a:solidFill>
-                  <a:schemeClr val="tx1">
-                    <a:lumMod val="75000"/>
-                    <a:lumOff val="25000"/>
-                  </a:schemeClr>
-                </a:solidFill>
-                <a:latin typeface="Trebuchet MS (Основной текст)"/>
-                <a:cs typeface="Times New Roman" panose="02020603050405020304" pitchFamily="18" charset="0"/>
-              </a:rPr>
-              <a:t>6</a:t>
-            </a:r>
-            <a:r>
-              <a:rPr lang="en-US" sz="3200" dirty="0">
-                <a:solidFill>
-                  <a:schemeClr val="tx1">
-                    <a:lumMod val="75000"/>
-                    <a:lumOff val="25000"/>
-                  </a:schemeClr>
-                </a:solidFill>
-                <a:latin typeface="Trebuchet MS (Основной текст)"/>
-                <a:cs typeface="Times New Roman" panose="02020603050405020304" pitchFamily="18" charset="0"/>
-              </a:rPr>
-              <a:t>/1</a:t>
-            </a:r>
-            <a:r>
-              <a:rPr lang="ru-RU" sz="3200" dirty="0">
-                <a:solidFill>
-                  <a:schemeClr val="tx1">
-                    <a:lumMod val="75000"/>
-                    <a:lumOff val="25000"/>
-                  </a:schemeClr>
-                </a:solidFill>
-                <a:latin typeface="Trebuchet MS (Основной текст)"/>
-                <a:cs typeface="Times New Roman" panose="02020603050405020304" pitchFamily="18" charset="0"/>
-              </a:rPr>
-              <a:t>2</a:t>
-            </a:r>
-          </a:p>
-        </p:txBody>
-      </p:sp>
-    </p:spTree>
-    <p:extLst>
-      <p:ext uri="{BB962C8B-B14F-4D97-AF65-F5344CB8AC3E}">
-        <p14:creationId xmlns:p14="http://schemas.microsoft.com/office/powerpoint/2010/main" val="2229292127"/>
       </p:ext>
     </p:extLst>
   </p:cSld>
@@ -9703,16 +9702,21 @@
             <p:ph type="title"/>
           </p:nvPr>
         </p:nvSpPr>
-        <p:spPr/>
-        <p:txBody>
-          <a:bodyPr anchor="ctr">
+        <p:spPr>
+          <a:xfrm>
+            <a:off x="197500" y="528119"/>
+            <a:ext cx="8596668" cy="1320800"/>
+          </a:xfrm>
+        </p:spPr>
+        <p:txBody>
+          <a:bodyPr anchor="t">
             <a:normAutofit/>
           </a:bodyPr>
           <a:lstStyle/>
           <a:p>
             <a:r>
               <a:rPr lang="ru-RU" sz="4000" dirty="0"/>
-              <a:t>Ошибки</a:t>
+              <a:t>Функционал</a:t>
             </a:r>
           </a:p>
         </p:txBody>
@@ -9733,75 +9737,348 @@
             <p:ph idx="1"/>
           </p:nvPr>
         </p:nvSpPr>
-        <p:spPr/>
-        <p:txBody>
-          <a:bodyPr>
-            <a:normAutofit/>
+        <p:spPr>
+          <a:xfrm>
+            <a:off x="266910" y="1554007"/>
+            <a:ext cx="11925090" cy="3880773"/>
+          </a:xfrm>
+        </p:spPr>
+        <p:txBody>
+          <a:bodyPr numCol="3">
+            <a:noAutofit/>
           </a:bodyPr>
           <a:lstStyle/>
           <a:p>
-            <a:pPr>
+            <a:pPr marL="342900" lvl="0" indent="-342900">
               <a:lnSpc>
                 <a:spcPct val="150000"/>
               </a:lnSpc>
-              <a:spcAft>
-                <a:spcPts val="800"/>
-              </a:spcAft>
-              <a:buSzPct val="110000"/>
-              <a:buFont typeface="Arial" panose="020B0604020202020204" pitchFamily="34" charset="0"/>
-              <a:buChar char="•"/>
+              <a:buFont typeface="+mj-lt"/>
+              <a:buAutoNum type="arabicPeriod"/>
             </a:pPr>
             <a:r>
-              <a:rPr lang="ru-RU" sz="2000" b="1" dirty="0">
-                <a:effectLst/>
+              <a:rPr lang="ru-RU" dirty="0">
                 <a:latin typeface="Trebuchet MS (Основной текст)"/>
-                <a:ea typeface="Times New Roman" panose="02020603050405020304" pitchFamily="18" charset="0"/>
-                <a:cs typeface="Times New Roman" panose="02020603050405020304" pitchFamily="18" charset="0"/>
+                <a:ea typeface="SimSun" panose="02010600030101010101" pitchFamily="2" charset="-122"/>
               </a:rPr>
-              <a:t>Неверный логин или пароль</a:t>
-            </a:r>
-            <a:endParaRPr lang="ru-RU" sz="2000" dirty="0">
-              <a:effectLst/>
-              <a:latin typeface="Trebuchet MS (Основной текст)"/>
-              <a:ea typeface="Calibri" panose="020F0502020204030204" pitchFamily="34" charset="0"/>
-              <a:cs typeface="Times New Roman" panose="02020603050405020304" pitchFamily="18" charset="0"/>
-            </a:endParaRPr>
-          </a:p>
-          <a:p>
-            <a:pPr algn="just">
+              <a:t>Ввод логина</a:t>
+            </a:r>
+          </a:p>
+          <a:p>
+            <a:pPr marL="342900" lvl="0" indent="-342900">
               <a:lnSpc>
                 <a:spcPct val="150000"/>
               </a:lnSpc>
-              <a:spcAft>
-                <a:spcPts val="800"/>
-              </a:spcAft>
-              <a:buSzPct val="110000"/>
-              <a:buFont typeface="Arial" panose="020B0604020202020204" pitchFamily="34" charset="0"/>
-              <a:buChar char="•"/>
+              <a:buFont typeface="+mj-lt"/>
+              <a:buAutoNum type="arabicPeriod"/>
             </a:pPr>
             <a:r>
-              <a:rPr lang="ru-RU" sz="2000" b="1" dirty="0">
-                <a:effectLst/>
+              <a:rPr lang="ru-RU" dirty="0">
                 <a:latin typeface="Trebuchet MS (Основной текст)"/>
-                <a:ea typeface="Calibri" panose="020F0502020204030204" pitchFamily="34" charset="0"/>
-                <a:cs typeface="Times New Roman" panose="02020603050405020304" pitchFamily="18" charset="0"/>
+                <a:ea typeface="SimSun" panose="02010600030101010101" pitchFamily="2" charset="-122"/>
               </a:rPr>
-              <a:t>Забыли пароль?</a:t>
-            </a:r>
-            <a:endParaRPr lang="ru-RU" sz="2000" dirty="0">
-              <a:effectLst/>
-              <a:latin typeface="Trebuchet MS (Основной текст)"/>
-              <a:ea typeface="Calibri" panose="020F0502020204030204" pitchFamily="34" charset="0"/>
-              <a:cs typeface="Times New Roman" panose="02020603050405020304" pitchFamily="18" charset="0"/>
-            </a:endParaRPr>
-          </a:p>
-          <a:p>
-            <a:pPr marL="0" indent="0">
-              <a:buNone/>
+              <a:t>Ввод пароля</a:t>
+            </a:r>
+          </a:p>
+          <a:p>
+            <a:pPr marL="342900" lvl="0" indent="-342900">
+              <a:lnSpc>
+                <a:spcPct val="150000"/>
+              </a:lnSpc>
+              <a:buFont typeface="+mj-lt"/>
+              <a:buAutoNum type="arabicPeriod"/>
             </a:pPr>
-            <a:endParaRPr lang="ru-RU" dirty="0">
-              <a:latin typeface="Trebuchet MS (Основной текст)"/>
-            </a:endParaRPr>
+            <a:r>
+              <a:rPr lang="ru-RU" dirty="0">
+                <a:latin typeface="Trebuchet MS (Основной текст)"/>
+                <a:ea typeface="SimSun" panose="02010600030101010101" pitchFamily="2" charset="-122"/>
+              </a:rPr>
+              <a:t>Просмотр преподавателей</a:t>
+            </a:r>
+          </a:p>
+          <a:p>
+            <a:pPr marL="342900" lvl="0" indent="-342900">
+              <a:lnSpc>
+                <a:spcPct val="150000"/>
+              </a:lnSpc>
+              <a:buFont typeface="+mj-lt"/>
+              <a:buAutoNum type="arabicPeriod"/>
+            </a:pPr>
+            <a:r>
+              <a:rPr lang="ru-RU" dirty="0">
+                <a:latin typeface="Trebuchet MS (Основной текст)"/>
+                <a:ea typeface="SimSun" panose="02010600030101010101" pitchFamily="2" charset="-122"/>
+              </a:rPr>
+              <a:t>Просмотр оценок за семестр</a:t>
+            </a:r>
+          </a:p>
+          <a:p>
+            <a:pPr marL="342900" lvl="0" indent="-342900">
+              <a:lnSpc>
+                <a:spcPct val="150000"/>
+              </a:lnSpc>
+              <a:buFont typeface="+mj-lt"/>
+              <a:buAutoNum type="arabicPeriod"/>
+            </a:pPr>
+            <a:r>
+              <a:rPr lang="ru-RU" dirty="0">
+                <a:latin typeface="Trebuchet MS (Основной текст)"/>
+                <a:ea typeface="SimSun" panose="02010600030101010101" pitchFamily="2" charset="-122"/>
+              </a:rPr>
+              <a:t>Просмотр оценок за прошлый семестр</a:t>
+            </a:r>
+          </a:p>
+          <a:p>
+            <a:pPr marL="342900" lvl="0" indent="-342900">
+              <a:lnSpc>
+                <a:spcPct val="150000"/>
+              </a:lnSpc>
+              <a:buFont typeface="+mj-lt"/>
+              <a:buAutoNum type="arabicPeriod"/>
+            </a:pPr>
+            <a:r>
+              <a:rPr lang="ru-RU" dirty="0">
+                <a:latin typeface="Trebuchet MS (Основной текст)"/>
+                <a:ea typeface="SimSun" panose="02010600030101010101" pitchFamily="2" charset="-122"/>
+              </a:rPr>
+              <a:t>Просмотр расписания</a:t>
+            </a:r>
+          </a:p>
+          <a:p>
+            <a:pPr marL="342900" lvl="0" indent="-342900">
+              <a:lnSpc>
+                <a:spcPct val="150000"/>
+              </a:lnSpc>
+              <a:buFont typeface="+mj-lt"/>
+              <a:buAutoNum type="arabicPeriod"/>
+            </a:pPr>
+            <a:r>
+              <a:rPr lang="ru-RU" dirty="0">
+                <a:latin typeface="Trebuchet MS (Основной текст)"/>
+                <a:ea typeface="SimSun" panose="02010600030101010101" pitchFamily="2" charset="-122"/>
+              </a:rPr>
+              <a:t>Возможность просматривать домашние задания</a:t>
+            </a:r>
+          </a:p>
+          <a:p>
+            <a:pPr marL="342900" lvl="0" indent="-342900">
+              <a:lnSpc>
+                <a:spcPct val="150000"/>
+              </a:lnSpc>
+              <a:buFont typeface="+mj-lt"/>
+              <a:buAutoNum type="arabicPeriod"/>
+            </a:pPr>
+            <a:r>
+              <a:rPr lang="ru-RU" dirty="0">
+                <a:latin typeface="Trebuchet MS (Основной текст)"/>
+                <a:ea typeface="SimSun" panose="02010600030101010101" pitchFamily="2" charset="-122"/>
+              </a:rPr>
+              <a:t>Просмотр личных данных</a:t>
+            </a:r>
+          </a:p>
+          <a:p>
+            <a:pPr marL="342900" lvl="0" indent="-342900">
+              <a:lnSpc>
+                <a:spcPct val="150000"/>
+              </a:lnSpc>
+              <a:buFont typeface="+mj-lt"/>
+              <a:buAutoNum type="arabicPeriod"/>
+            </a:pPr>
+            <a:r>
+              <a:rPr lang="ru-RU" dirty="0">
+                <a:latin typeface="Trebuchet MS (Основной текст)"/>
+                <a:ea typeface="SimSun" panose="02010600030101010101" pitchFamily="2" charset="-122"/>
+              </a:rPr>
+              <a:t>Изменение личных данных</a:t>
+            </a:r>
+          </a:p>
+          <a:p>
+            <a:pPr marL="342900" lvl="0" indent="-342900">
+              <a:lnSpc>
+                <a:spcPct val="150000"/>
+              </a:lnSpc>
+              <a:buFont typeface="+mj-lt"/>
+              <a:buAutoNum type="arabicPeriod"/>
+            </a:pPr>
+            <a:r>
+              <a:rPr lang="ru-RU" dirty="0">
+                <a:latin typeface="Trebuchet MS (Основной текст)"/>
+                <a:ea typeface="SimSun" panose="02010600030101010101" pitchFamily="2" charset="-122"/>
+              </a:rPr>
+              <a:t>Просмотр новостей Политеха</a:t>
+            </a:r>
+          </a:p>
+          <a:p>
+            <a:pPr marL="342900" lvl="0" indent="-342900">
+              <a:lnSpc>
+                <a:spcPct val="150000"/>
+              </a:lnSpc>
+              <a:buFont typeface="+mj-lt"/>
+              <a:buAutoNum type="arabicPeriod"/>
+            </a:pPr>
+            <a:r>
+              <a:rPr lang="ru-RU" dirty="0">
+                <a:latin typeface="Trebuchet MS (Основной текст)"/>
+                <a:ea typeface="SimSun" panose="02010600030101010101" pitchFamily="2" charset="-122"/>
+              </a:rPr>
+              <a:t>Возможность выставления отметок</a:t>
+            </a:r>
+          </a:p>
+          <a:p>
+            <a:pPr marL="342900" lvl="0" indent="-342900">
+              <a:lnSpc>
+                <a:spcPct val="150000"/>
+              </a:lnSpc>
+              <a:buFont typeface="+mj-lt"/>
+              <a:buAutoNum type="arabicPeriod"/>
+            </a:pPr>
+            <a:r>
+              <a:rPr lang="ru-RU" dirty="0">
+                <a:latin typeface="Trebuchet MS (Основной текст)"/>
+                <a:ea typeface="SimSun" panose="02010600030101010101" pitchFamily="2" charset="-122"/>
+              </a:rPr>
+              <a:t>Возможность изменения отметок</a:t>
+            </a:r>
+          </a:p>
+          <a:p>
+            <a:pPr marL="342900" lvl="0" indent="-342900">
+              <a:lnSpc>
+                <a:spcPct val="150000"/>
+              </a:lnSpc>
+              <a:buFont typeface="+mj-lt"/>
+              <a:buAutoNum type="arabicPeriod"/>
+            </a:pPr>
+            <a:r>
+              <a:rPr lang="ru-RU" dirty="0">
+                <a:latin typeface="Trebuchet MS (Основной текст)"/>
+                <a:ea typeface="SimSun" panose="02010600030101010101" pitchFamily="2" charset="-122"/>
+              </a:rPr>
+              <a:t>Возможность задавать домашнее задание</a:t>
+            </a:r>
+          </a:p>
+          <a:p>
+            <a:pPr marL="342900" lvl="0" indent="-342900">
+              <a:lnSpc>
+                <a:spcPct val="150000"/>
+              </a:lnSpc>
+              <a:buFont typeface="+mj-lt"/>
+              <a:buAutoNum type="arabicPeriod"/>
+            </a:pPr>
+            <a:r>
+              <a:rPr lang="ru-RU" dirty="0">
+                <a:latin typeface="Trebuchet MS (Основной текст)"/>
+                <a:ea typeface="SimSun" panose="02010600030101010101" pitchFamily="2" charset="-122"/>
+              </a:rPr>
+              <a:t>Установка расписания</a:t>
+            </a:r>
+          </a:p>
+          <a:p>
+            <a:pPr marL="342900" lvl="0" indent="-342900">
+              <a:lnSpc>
+                <a:spcPct val="150000"/>
+              </a:lnSpc>
+              <a:buFont typeface="+mj-lt"/>
+              <a:buAutoNum type="arabicPeriod"/>
+            </a:pPr>
+            <a:r>
+              <a:rPr lang="ru-RU" dirty="0">
+                <a:latin typeface="Trebuchet MS (Основной текст)"/>
+                <a:ea typeface="SimSun" panose="02010600030101010101" pitchFamily="2" charset="-122"/>
+              </a:rPr>
+              <a:t>Изменение расписания</a:t>
+            </a:r>
+          </a:p>
+          <a:p>
+            <a:pPr marL="342900" lvl="0" indent="-342900">
+              <a:lnSpc>
+                <a:spcPct val="150000"/>
+              </a:lnSpc>
+              <a:buFont typeface="+mj-lt"/>
+              <a:buAutoNum type="arabicPeriod"/>
+            </a:pPr>
+            <a:r>
+              <a:rPr lang="ru-RU" dirty="0">
+                <a:latin typeface="Trebuchet MS (Основной текст)"/>
+                <a:ea typeface="SimSun" panose="02010600030101010101" pitchFamily="2" charset="-122"/>
+              </a:rPr>
+              <a:t>Удаление</a:t>
+            </a:r>
+            <a:r>
+              <a:rPr lang="en-US" dirty="0">
+                <a:latin typeface="Trebuchet MS (Основной текст)"/>
+                <a:ea typeface="SimSun" panose="02010600030101010101" pitchFamily="2" charset="-122"/>
+              </a:rPr>
+              <a:t>/</a:t>
+            </a:r>
+            <a:r>
+              <a:rPr lang="ru-RU" dirty="0">
+                <a:latin typeface="Trebuchet MS (Основной текст)"/>
+                <a:ea typeface="SimSun" panose="02010600030101010101" pitchFamily="2" charset="-122"/>
+              </a:rPr>
+              <a:t>Добавление преподавателей</a:t>
+            </a:r>
+          </a:p>
+          <a:p>
+            <a:pPr marL="342900" lvl="0" indent="-342900">
+              <a:lnSpc>
+                <a:spcPct val="150000"/>
+              </a:lnSpc>
+              <a:buFont typeface="+mj-lt"/>
+              <a:buAutoNum type="arabicPeriod"/>
+            </a:pPr>
+            <a:r>
+              <a:rPr lang="ru-RU" dirty="0">
+                <a:latin typeface="Trebuchet MS (Основной текст)"/>
+                <a:ea typeface="SimSun" panose="02010600030101010101" pitchFamily="2" charset="-122"/>
+              </a:rPr>
+              <a:t>Удаление</a:t>
+            </a:r>
+            <a:r>
+              <a:rPr lang="en-US" dirty="0">
+                <a:latin typeface="Trebuchet MS (Основной текст)"/>
+                <a:ea typeface="SimSun" panose="02010600030101010101" pitchFamily="2" charset="-122"/>
+              </a:rPr>
+              <a:t>/</a:t>
+            </a:r>
+            <a:r>
+              <a:rPr lang="ru-RU" dirty="0">
+                <a:latin typeface="Trebuchet MS (Основной текст)"/>
+                <a:ea typeface="SimSun" panose="02010600030101010101" pitchFamily="2" charset="-122"/>
+              </a:rPr>
+              <a:t>Добавление учеников</a:t>
+            </a:r>
+          </a:p>
+          <a:p>
+            <a:pPr marL="342900" lvl="0" indent="-342900">
+              <a:lnSpc>
+                <a:spcPct val="150000"/>
+              </a:lnSpc>
+              <a:buFont typeface="+mj-lt"/>
+              <a:buAutoNum type="arabicPeriod"/>
+            </a:pPr>
+            <a:r>
+              <a:rPr lang="ru-RU" dirty="0">
+                <a:latin typeface="Trebuchet MS (Основной текст)"/>
+                <a:ea typeface="SimSun" panose="02010600030101010101" pitchFamily="2" charset="-122"/>
+              </a:rPr>
+              <a:t>Мониторинг работы сайта и серверов</a:t>
+            </a:r>
+          </a:p>
+          <a:p>
+            <a:pPr marL="342900" lvl="0" indent="-342900">
+              <a:lnSpc>
+                <a:spcPct val="150000"/>
+              </a:lnSpc>
+              <a:buFont typeface="+mj-lt"/>
+              <a:buAutoNum type="arabicPeriod"/>
+            </a:pPr>
+            <a:r>
+              <a:rPr lang="ru-RU" dirty="0">
+                <a:latin typeface="Trebuchet MS (Основной текст)"/>
+                <a:ea typeface="SimSun" panose="02010600030101010101" pitchFamily="2" charset="-122"/>
+              </a:rPr>
+              <a:t>Возможность изменять технический код</a:t>
+            </a:r>
           </a:p>
         </p:txBody>
       </p:sp>
@@ -9810,7 +10087,7 @@
           <p:cNvPr id="4" name="TextBox 3">
             <a:extLst>
               <a:ext uri="{FF2B5EF4-FFF2-40B4-BE49-F238E27FC236}">
-                <a16:creationId xmlns:a16="http://schemas.microsoft.com/office/drawing/2014/main" id="{E6FAB4E4-0AD6-4FA7-833B-07AABAD19330}"/>
+                <a16:creationId xmlns:a16="http://schemas.microsoft.com/office/drawing/2014/main" id="{B72415D9-B788-441D-ABC6-996179DAE7E0}"/>
               </a:ext>
             </a:extLst>
           </p:cNvPr>
@@ -9819,8 +10096,8 @@
         </p:nvSpPr>
         <p:spPr>
           <a:xfrm>
-            <a:off x="11115675" y="6273225"/>
-            <a:ext cx="1076325" cy="584775"/>
+            <a:off x="11096625" y="6273225"/>
+            <a:ext cx="1095375" cy="584775"/>
           </a:xfrm>
           <a:prstGeom prst="rect">
             <a:avLst/>
@@ -9870,7 +10147,7 @@
                 <a:latin typeface="Trebuchet MS (Основной текст)"/>
                 <a:cs typeface="Times New Roman" panose="02020603050405020304" pitchFamily="18" charset="0"/>
               </a:rPr>
-              <a:t>2</a:t>
+              <a:t>3</a:t>
             </a:r>
           </a:p>
         </p:txBody>
@@ -9878,7 +10155,7 @@
     </p:spTree>
     <p:extLst>
       <p:ext uri="{BB962C8B-B14F-4D97-AF65-F5344CB8AC3E}">
-        <p14:creationId xmlns:p14="http://schemas.microsoft.com/office/powerpoint/2010/main" val="2668772241"/>
+        <p14:creationId xmlns:p14="http://schemas.microsoft.com/office/powerpoint/2010/main" val="2229292127"/>
       </p:ext>
     </p:extLst>
   </p:cSld>
@@ -9933,6 +10210,227 @@
           <a:p>
             <a:r>
               <a:rPr lang="ru-RU" sz="4000" dirty="0"/>
+              <a:t>Ошибки</a:t>
+            </a:r>
+          </a:p>
+        </p:txBody>
+      </p:sp>
+      <p:sp>
+        <p:nvSpPr>
+          <p:cNvPr id="3" name="Объект 2">
+            <a:extLst>
+              <a:ext uri="{FF2B5EF4-FFF2-40B4-BE49-F238E27FC236}">
+                <a16:creationId xmlns:a16="http://schemas.microsoft.com/office/drawing/2014/main" id="{2BE5F975-5D4C-1C0D-1DA4-08BC77064B3C}"/>
+              </a:ext>
+            </a:extLst>
+          </p:cNvPr>
+          <p:cNvSpPr>
+            <a:spLocks noGrp="1"/>
+          </p:cNvSpPr>
+          <p:nvPr>
+            <p:ph idx="1"/>
+          </p:nvPr>
+        </p:nvSpPr>
+        <p:spPr/>
+        <p:txBody>
+          <a:bodyPr>
+            <a:normAutofit/>
+          </a:bodyPr>
+          <a:lstStyle/>
+          <a:p>
+            <a:pPr>
+              <a:lnSpc>
+                <a:spcPct val="150000"/>
+              </a:lnSpc>
+              <a:spcAft>
+                <a:spcPts val="800"/>
+              </a:spcAft>
+              <a:buSzPct val="110000"/>
+              <a:buFont typeface="Arial" panose="020B0604020202020204" pitchFamily="34" charset="0"/>
+              <a:buChar char="•"/>
+            </a:pPr>
+            <a:r>
+              <a:rPr lang="ru-RU" sz="2000" b="1" dirty="0">
+                <a:effectLst/>
+                <a:latin typeface="Trebuchet MS (Основной текст)"/>
+                <a:ea typeface="Times New Roman" panose="02020603050405020304" pitchFamily="18" charset="0"/>
+                <a:cs typeface="Times New Roman" panose="02020603050405020304" pitchFamily="18" charset="0"/>
+              </a:rPr>
+              <a:t>Неверный логин или пароль</a:t>
+            </a:r>
+            <a:endParaRPr lang="ru-RU" sz="2000" dirty="0">
+              <a:effectLst/>
+              <a:latin typeface="Trebuchet MS (Основной текст)"/>
+              <a:ea typeface="Calibri" panose="020F0502020204030204" pitchFamily="34" charset="0"/>
+              <a:cs typeface="Times New Roman" panose="02020603050405020304" pitchFamily="18" charset="0"/>
+            </a:endParaRPr>
+          </a:p>
+          <a:p>
+            <a:pPr algn="just">
+              <a:lnSpc>
+                <a:spcPct val="150000"/>
+              </a:lnSpc>
+              <a:spcAft>
+                <a:spcPts val="800"/>
+              </a:spcAft>
+              <a:buSzPct val="110000"/>
+              <a:buFont typeface="Arial" panose="020B0604020202020204" pitchFamily="34" charset="0"/>
+              <a:buChar char="•"/>
+            </a:pPr>
+            <a:r>
+              <a:rPr lang="ru-RU" sz="2000" b="1" dirty="0">
+                <a:effectLst/>
+                <a:latin typeface="Trebuchet MS (Основной текст)"/>
+                <a:ea typeface="Calibri" panose="020F0502020204030204" pitchFamily="34" charset="0"/>
+                <a:cs typeface="Times New Roman" panose="02020603050405020304" pitchFamily="18" charset="0"/>
+              </a:rPr>
+              <a:t>Забыли пароль?</a:t>
+            </a:r>
+            <a:endParaRPr lang="ru-RU" sz="2000" dirty="0">
+              <a:effectLst/>
+              <a:latin typeface="Trebuchet MS (Основной текст)"/>
+              <a:ea typeface="Calibri" panose="020F0502020204030204" pitchFamily="34" charset="0"/>
+              <a:cs typeface="Times New Roman" panose="02020603050405020304" pitchFamily="18" charset="0"/>
+            </a:endParaRPr>
+          </a:p>
+          <a:p>
+            <a:pPr marL="0" indent="0">
+              <a:buNone/>
+            </a:pPr>
+            <a:endParaRPr lang="ru-RU" dirty="0">
+              <a:latin typeface="Trebuchet MS (Основной текст)"/>
+            </a:endParaRPr>
+          </a:p>
+        </p:txBody>
+      </p:sp>
+      <p:sp>
+        <p:nvSpPr>
+          <p:cNvPr id="4" name="TextBox 3">
+            <a:extLst>
+              <a:ext uri="{FF2B5EF4-FFF2-40B4-BE49-F238E27FC236}">
+                <a16:creationId xmlns:a16="http://schemas.microsoft.com/office/drawing/2014/main" id="{E6FAB4E4-0AD6-4FA7-833B-07AABAD19330}"/>
+              </a:ext>
+            </a:extLst>
+          </p:cNvPr>
+          <p:cNvSpPr txBox="1"/>
+          <p:nvPr/>
+        </p:nvSpPr>
+        <p:spPr>
+          <a:xfrm>
+            <a:off x="11115675" y="6273225"/>
+            <a:ext cx="1076325" cy="584775"/>
+          </a:xfrm>
+          <a:prstGeom prst="rect">
+            <a:avLst/>
+          </a:prstGeom>
+          <a:noFill/>
+        </p:spPr>
+        <p:txBody>
+          <a:bodyPr wrap="square" rtlCol="0">
+            <a:spAutoFit/>
+          </a:bodyPr>
+          <a:lstStyle/>
+          <a:p>
+            <a:r>
+              <a:rPr lang="ru-RU" sz="3200" dirty="0">
+                <a:solidFill>
+                  <a:schemeClr val="tx1">
+                    <a:lumMod val="75000"/>
+                    <a:lumOff val="25000"/>
+                  </a:schemeClr>
+                </a:solidFill>
+                <a:latin typeface="Trebuchet MS (Основной текст)"/>
+                <a:cs typeface="Times New Roman" panose="02020603050405020304" pitchFamily="18" charset="0"/>
+              </a:rPr>
+              <a:t>8</a:t>
+            </a:r>
+            <a:r>
+              <a:rPr lang="en-US" sz="3200" dirty="0">
+                <a:solidFill>
+                  <a:schemeClr val="tx1">
+                    <a:lumMod val="75000"/>
+                    <a:lumOff val="25000"/>
+                  </a:schemeClr>
+                </a:solidFill>
+                <a:latin typeface="Trebuchet MS (Основной текст)"/>
+                <a:cs typeface="Times New Roman" panose="02020603050405020304" pitchFamily="18" charset="0"/>
+              </a:rPr>
+              <a:t>/1</a:t>
+            </a:r>
+            <a:r>
+              <a:rPr lang="ru-RU" sz="3200" dirty="0">
+                <a:solidFill>
+                  <a:schemeClr val="tx1">
+                    <a:lumMod val="75000"/>
+                    <a:lumOff val="25000"/>
+                  </a:schemeClr>
+                </a:solidFill>
+                <a:latin typeface="Trebuchet MS (Основной текст)"/>
+                <a:cs typeface="Times New Roman" panose="02020603050405020304" pitchFamily="18" charset="0"/>
+              </a:rPr>
+              <a:t>3</a:t>
+            </a:r>
+          </a:p>
+        </p:txBody>
+      </p:sp>
+    </p:spTree>
+    <p:extLst>
+      <p:ext uri="{BB962C8B-B14F-4D97-AF65-F5344CB8AC3E}">
+        <p14:creationId xmlns:p14="http://schemas.microsoft.com/office/powerpoint/2010/main" val="2668772241"/>
+      </p:ext>
+    </p:extLst>
+  </p:cSld>
+  <p:clrMapOvr>
+    <a:masterClrMapping/>
+  </p:clrMapOvr>
+  <p:transition spd="slow">
+    <p:wipe/>
+  </p:transition>
+</p:sld>
+</file>
+
+<file path=ppt/slides/slide9.xml><?xml version="1.0" encoding="utf-8"?>
+<p:sld xmlns:a="http://schemas.openxmlformats.org/drawingml/2006/main" xmlns:r="http://schemas.openxmlformats.org/officeDocument/2006/relationships" xmlns:p="http://schemas.openxmlformats.org/presentationml/2006/main">
+  <p:cSld>
+    <p:spTree>
+      <p:nvGrpSpPr>
+        <p:cNvPr id="1" name=""/>
+        <p:cNvGrpSpPr/>
+        <p:nvPr/>
+      </p:nvGrpSpPr>
+      <p:grpSpPr>
+        <a:xfrm>
+          <a:off x="0" y="0"/>
+          <a:ext cx="0" cy="0"/>
+          <a:chOff x="0" y="0"/>
+          <a:chExt cx="0" cy="0"/>
+        </a:xfrm>
+      </p:grpSpPr>
+      <p:sp>
+        <p:nvSpPr>
+          <p:cNvPr id="2" name="Заголовок 1">
+            <a:extLst>
+              <a:ext uri="{FF2B5EF4-FFF2-40B4-BE49-F238E27FC236}">
+                <a16:creationId xmlns:a16="http://schemas.microsoft.com/office/drawing/2014/main" id="{4869403A-35A5-9D0E-62B8-EB35CBEB6A5B}"/>
+              </a:ext>
+            </a:extLst>
+          </p:cNvPr>
+          <p:cNvSpPr>
+            <a:spLocks noGrp="1"/>
+          </p:cNvSpPr>
+          <p:nvPr>
+            <p:ph type="title"/>
+          </p:nvPr>
+        </p:nvSpPr>
+        <p:spPr/>
+        <p:txBody>
+          <a:bodyPr anchor="ctr">
+            <a:normAutofit/>
+          </a:bodyPr>
+          <a:lstStyle/>
+          <a:p>
+            <a:r>
+              <a:rPr lang="ru-RU" sz="4000" dirty="0"/>
               <a:t>Тестирование</a:t>
             </a:r>
             <a:br>
@@ -10065,7 +10563,7 @@
                 <a:latin typeface="Trebuchet MS (Основной текст)"/>
                 <a:cs typeface="Times New Roman" panose="02020603050405020304" pitchFamily="18" charset="0"/>
               </a:rPr>
-              <a:t>8</a:t>
+              <a:t>9</a:t>
             </a:r>
             <a:r>
               <a:rPr lang="en-US" sz="3200" dirty="0">
@@ -10091,7 +10589,7 @@
                 <a:latin typeface="Trebuchet MS (Основной текст)"/>
                 <a:cs typeface="Times New Roman" panose="02020603050405020304" pitchFamily="18" charset="0"/>
               </a:rPr>
-              <a:t>2</a:t>
+              <a:t>3</a:t>
             </a:r>
           </a:p>
         </p:txBody>
@@ -10160,241 +10658,6 @@
     <p:extLst>
       <p:ext uri="{BB962C8B-B14F-4D97-AF65-F5344CB8AC3E}">
         <p14:creationId xmlns:p14="http://schemas.microsoft.com/office/powerpoint/2010/main" val="1723162671"/>
-      </p:ext>
-    </p:extLst>
-  </p:cSld>
-  <p:clrMapOvr>
-    <a:masterClrMapping/>
-  </p:clrMapOvr>
-  <p:transition spd="slow">
-    <p:wipe/>
-  </p:transition>
-</p:sld>
-</file>
-
-<file path=ppt/slides/slide9.xml><?xml version="1.0" encoding="utf-8"?>
-<p:sld xmlns:a="http://schemas.openxmlformats.org/drawingml/2006/main" xmlns:r="http://schemas.openxmlformats.org/officeDocument/2006/relationships" xmlns:p="http://schemas.openxmlformats.org/presentationml/2006/main">
-  <p:cSld>
-    <p:spTree>
-      <p:nvGrpSpPr>
-        <p:cNvPr id="1" name=""/>
-        <p:cNvGrpSpPr/>
-        <p:nvPr/>
-      </p:nvGrpSpPr>
-      <p:grpSpPr>
-        <a:xfrm>
-          <a:off x="0" y="0"/>
-          <a:ext cx="0" cy="0"/>
-          <a:chOff x="0" y="0"/>
-          <a:chExt cx="0" cy="0"/>
-        </a:xfrm>
-      </p:grpSpPr>
-      <p:sp>
-        <p:nvSpPr>
-          <p:cNvPr id="2" name="Заголовок 1">
-            <a:extLst>
-              <a:ext uri="{FF2B5EF4-FFF2-40B4-BE49-F238E27FC236}">
-                <a16:creationId xmlns:a16="http://schemas.microsoft.com/office/drawing/2014/main" id="{4869403A-35A5-9D0E-62B8-EB35CBEB6A5B}"/>
-              </a:ext>
-            </a:extLst>
-          </p:cNvPr>
-          <p:cNvSpPr>
-            <a:spLocks noGrp="1"/>
-          </p:cNvSpPr>
-          <p:nvPr>
-            <p:ph type="title"/>
-          </p:nvPr>
-        </p:nvSpPr>
-        <p:spPr/>
-        <p:txBody>
-          <a:bodyPr>
-            <a:normAutofit/>
-          </a:bodyPr>
-          <a:lstStyle/>
-          <a:p>
-            <a:r>
-              <a:rPr lang="ru-RU" sz="4000" dirty="0"/>
-              <a:t>Тестирование</a:t>
-            </a:r>
-            <a:br>
-              <a:rPr lang="ru-RU" sz="4000" dirty="0"/>
-            </a:br>
-            <a:r>
-              <a:rPr lang="en-US" sz="2800" dirty="0"/>
-              <a:t>Traceability matrix</a:t>
-            </a:r>
-            <a:endParaRPr lang="ru-RU" sz="4000" dirty="0"/>
-          </a:p>
-        </p:txBody>
-      </p:sp>
-      <p:sp>
-        <p:nvSpPr>
-          <p:cNvPr id="3" name="Объект 2">
-            <a:extLst>
-              <a:ext uri="{FF2B5EF4-FFF2-40B4-BE49-F238E27FC236}">
-                <a16:creationId xmlns:a16="http://schemas.microsoft.com/office/drawing/2014/main" id="{2BE5F975-5D4C-1C0D-1DA4-08BC77064B3C}"/>
-              </a:ext>
-            </a:extLst>
-          </p:cNvPr>
-          <p:cNvSpPr>
-            <a:spLocks noGrp="1"/>
-          </p:cNvSpPr>
-          <p:nvPr>
-            <p:ph idx="1"/>
-          </p:nvPr>
-        </p:nvSpPr>
-        <p:spPr/>
-        <p:txBody>
-          <a:bodyPr/>
-          <a:lstStyle/>
-          <a:p>
-            <a:pPr marL="0" indent="0">
-              <a:buNone/>
-            </a:pPr>
-            <a:r>
-              <a:rPr lang="ru-RU" dirty="0"/>
-              <a:t>Тестовое покрытие – 36%</a:t>
-            </a:r>
-          </a:p>
-        </p:txBody>
-      </p:sp>
-      <p:sp>
-        <p:nvSpPr>
-          <p:cNvPr id="5" name="TextBox 4">
-            <a:extLst>
-              <a:ext uri="{FF2B5EF4-FFF2-40B4-BE49-F238E27FC236}">
-                <a16:creationId xmlns:a16="http://schemas.microsoft.com/office/drawing/2014/main" id="{AA450BA9-CBE1-4A4C-990C-FC3DCE4F9C16}"/>
-              </a:ext>
-            </a:extLst>
-          </p:cNvPr>
-          <p:cNvSpPr txBox="1"/>
-          <p:nvPr/>
-        </p:nvSpPr>
-        <p:spPr>
-          <a:xfrm>
-            <a:off x="11068050" y="6273225"/>
-            <a:ext cx="1123950" cy="584775"/>
-          </a:xfrm>
-          <a:prstGeom prst="rect">
-            <a:avLst/>
-          </a:prstGeom>
-          <a:noFill/>
-        </p:spPr>
-        <p:txBody>
-          <a:bodyPr wrap="square" rtlCol="0">
-            <a:spAutoFit/>
-          </a:bodyPr>
-          <a:lstStyle/>
-          <a:p>
-            <a:r>
-              <a:rPr lang="ru-RU" sz="3200" dirty="0">
-                <a:solidFill>
-                  <a:schemeClr val="tx1">
-                    <a:lumMod val="75000"/>
-                    <a:lumOff val="25000"/>
-                  </a:schemeClr>
-                </a:solidFill>
-                <a:latin typeface="Trebuchet MS (Основной текст)"/>
-                <a:cs typeface="Times New Roman" panose="02020603050405020304" pitchFamily="18" charset="0"/>
-              </a:rPr>
-              <a:t>9</a:t>
-            </a:r>
-            <a:r>
-              <a:rPr lang="en-US" sz="3200" dirty="0">
-                <a:solidFill>
-                  <a:schemeClr val="tx1">
-                    <a:lumMod val="75000"/>
-                    <a:lumOff val="25000"/>
-                  </a:schemeClr>
-                </a:solidFill>
-                <a:latin typeface="Trebuchet MS (Основной текст)"/>
-                <a:cs typeface="Times New Roman" panose="02020603050405020304" pitchFamily="18" charset="0"/>
-              </a:rPr>
-              <a:t>/1</a:t>
-            </a:r>
-            <a:r>
-              <a:rPr lang="ru-RU" sz="3200" dirty="0">
-                <a:solidFill>
-                  <a:schemeClr val="tx1">
-                    <a:lumMod val="75000"/>
-                    <a:lumOff val="25000"/>
-                  </a:schemeClr>
-                </a:solidFill>
-                <a:latin typeface="Trebuchet MS (Основной текст)"/>
-                <a:cs typeface="Times New Roman" panose="02020603050405020304" pitchFamily="18" charset="0"/>
-              </a:rPr>
-              <a:t>2</a:t>
-            </a:r>
-          </a:p>
-        </p:txBody>
-      </p:sp>
-      <p:graphicFrame>
-        <p:nvGraphicFramePr>
-          <p:cNvPr id="9" name="Объект 8">
-            <a:extLst>
-              <a:ext uri="{FF2B5EF4-FFF2-40B4-BE49-F238E27FC236}">
-                <a16:creationId xmlns:a16="http://schemas.microsoft.com/office/drawing/2014/main" id="{D518B4D4-D91C-CC48-A080-FDD63FA82DBB}"/>
-              </a:ext>
-            </a:extLst>
-          </p:cNvPr>
-          <p:cNvGraphicFramePr>
-            <a:graphicFrameLocks noChangeAspect="1"/>
-          </p:cNvGraphicFramePr>
-          <p:nvPr>
-            <p:extLst>
-              <p:ext uri="{D42A27DB-BD31-4B8C-83A1-F6EECF244321}">
-                <p14:modId xmlns:p14="http://schemas.microsoft.com/office/powerpoint/2010/main" val="51924452"/>
-              </p:ext>
-            </p:extLst>
-          </p:nvPr>
-        </p:nvGraphicFramePr>
-        <p:xfrm>
-          <a:off x="374674" y="2815628"/>
-          <a:ext cx="11442651" cy="2111973"/>
-        </p:xfrm>
-        <a:graphic>
-          <a:graphicData uri="http://schemas.openxmlformats.org/presentationml/2006/ole">
-            <mc:AlternateContent xmlns:mc="http://schemas.openxmlformats.org/markup-compatibility/2006">
-              <mc:Choice xmlns:v="urn:schemas-microsoft-com:vml" Requires="v">
-                <p:oleObj name="Worksheet" r:id="rId2" imgW="18373773" imgH="3391036" progId="Excel.Sheet.12">
-                  <p:embed/>
-                </p:oleObj>
-              </mc:Choice>
-              <mc:Fallback>
-                <p:oleObj name="Worksheet" r:id="rId2" imgW="18373773" imgH="3391036" progId="Excel.Sheet.12">
-                  <p:embed/>
-                  <p:pic>
-                    <p:nvPicPr>
-                      <p:cNvPr id="0" name=""/>
-                      <p:cNvPicPr/>
-                      <p:nvPr/>
-                    </p:nvPicPr>
-                    <p:blipFill>
-                      <a:blip r:embed="rId3"/>
-                      <a:stretch>
-                        <a:fillRect/>
-                      </a:stretch>
-                    </p:blipFill>
-                    <p:spPr>
-                      <a:xfrm>
-                        <a:off x="374674" y="2815628"/>
-                        <a:ext cx="11442651" cy="2111973"/>
-                      </a:xfrm>
-                      <a:prstGeom prst="rect">
-                        <a:avLst/>
-                      </a:prstGeom>
-                    </p:spPr>
-                  </p:pic>
-                </p:oleObj>
-              </mc:Fallback>
-            </mc:AlternateContent>
-          </a:graphicData>
-        </a:graphic>
-      </p:graphicFrame>
-    </p:spTree>
-    <p:extLst>
-      <p:ext uri="{BB962C8B-B14F-4D97-AF65-F5344CB8AC3E}">
-        <p14:creationId xmlns:p14="http://schemas.microsoft.com/office/powerpoint/2010/main" val="3154533040"/>
       </p:ext>
     </p:extLst>
   </p:cSld>
